--- a/프레젠테이션1.pptx
+++ b/프레젠테이션1.pptx
@@ -5,12 +5,7 @@
     <p:sldMasterId id="2147483648" r:id="rId1"/>
   </p:sldMasterIdLst>
   <p:sldIdLst>
-    <p:sldId id="256" r:id="rId2"/>
-    <p:sldId id="257" r:id="rId3"/>
-    <p:sldId id="258" r:id="rId4"/>
-    <p:sldId id="259" r:id="rId5"/>
-    <p:sldId id="260" r:id="rId6"/>
-    <p:sldId id="261" r:id="rId7"/>
+    <p:sldId id="261" r:id="rId2"/>
   </p:sldIdLst>
   <p:sldSz cx="9144000" cy="6858000" type="screen4x3"/>
   <p:notesSz cx="6858000" cy="9144000"/>
@@ -3100,1921 +3095,6 @@
           <a:chExt cx="0" cy="0"/>
         </a:xfrm>
       </p:grpSpPr>
-      <p:sp>
-        <p:nvSpPr>
-          <p:cNvPr id="2" name="제목 1"/>
-          <p:cNvSpPr>
-            <a:spLocks noGrp="1"/>
-          </p:cNvSpPr>
-          <p:nvPr>
-            <p:ph type="ctrTitle"/>
-          </p:nvPr>
-        </p:nvSpPr>
-        <p:spPr/>
-        <p:txBody>
-          <a:bodyPr/>
-          <a:lstStyle/>
-          <a:p>
-            <a:endParaRPr lang="ko-KR" altLang="en-US" dirty="0"/>
-          </a:p>
-        </p:txBody>
-      </p:sp>
-      <p:sp>
-        <p:nvSpPr>
-          <p:cNvPr id="3" name="부제목 2"/>
-          <p:cNvSpPr>
-            <a:spLocks noGrp="1"/>
-          </p:cNvSpPr>
-          <p:nvPr>
-            <p:ph type="subTitle" idx="1"/>
-          </p:nvPr>
-        </p:nvSpPr>
-        <p:spPr/>
-        <p:txBody>
-          <a:bodyPr/>
-          <a:lstStyle/>
-          <a:p>
-            <a:endParaRPr lang="ko-KR" altLang="en-US"/>
-          </a:p>
-        </p:txBody>
-      </p:sp>
-    </p:spTree>
-    <p:extLst>
-      <p:ext uri="{BB962C8B-B14F-4D97-AF65-F5344CB8AC3E}">
-        <p14:creationId xmlns:p14="http://schemas.microsoft.com/office/powerpoint/2010/main" val="3056273357"/>
-      </p:ext>
-    </p:extLst>
-  </p:cSld>
-  <p:clrMapOvr>
-    <a:masterClrMapping/>
-  </p:clrMapOvr>
-</p:sld>
-</file>
-
-<file path=ppt/slides/slide2.xml><?xml version="1.0" encoding="utf-8"?>
-<p:sld xmlns:a="http://schemas.openxmlformats.org/drawingml/2006/main" xmlns:r="http://schemas.openxmlformats.org/officeDocument/2006/relationships" xmlns:p="http://schemas.openxmlformats.org/presentationml/2006/main">
-  <p:cSld>
-    <p:spTree>
-      <p:nvGrpSpPr>
-        <p:cNvPr id="1" name=""/>
-        <p:cNvGrpSpPr/>
-        <p:nvPr/>
-      </p:nvGrpSpPr>
-      <p:grpSpPr>
-        <a:xfrm>
-          <a:off x="0" y="0"/>
-          <a:ext cx="0" cy="0"/>
-          <a:chOff x="0" y="0"/>
-          <a:chExt cx="0" cy="0"/>
-        </a:xfrm>
-      </p:grpSpPr>
-      <p:sp>
-        <p:nvSpPr>
-          <p:cNvPr id="2" name="TextBox 1"/>
-          <p:cNvSpPr txBox="1"/>
-          <p:nvPr/>
-        </p:nvSpPr>
-        <p:spPr>
-          <a:xfrm>
-            <a:off x="332452" y="485964"/>
-            <a:ext cx="3096344" cy="369332"/>
-          </a:xfrm>
-          <a:prstGeom prst="rect">
-            <a:avLst/>
-          </a:prstGeom>
-          <a:noFill/>
-        </p:spPr>
-        <p:txBody>
-          <a:bodyPr wrap="square" rtlCol="0">
-            <a:spAutoFit/>
-          </a:bodyPr>
-          <a:lstStyle/>
-          <a:p>
-            <a:r>
-              <a:rPr lang="ko-KR" altLang="en-US" dirty="0" smtClean="0"/>
-              <a:t>프로젝트 목적</a:t>
-            </a:r>
-            <a:endParaRPr lang="ko-KR" altLang="en-US" dirty="0"/>
-          </a:p>
-        </p:txBody>
-      </p:sp>
-      <p:sp>
-        <p:nvSpPr>
-          <p:cNvPr id="5" name="TextBox 4"/>
-          <p:cNvSpPr txBox="1"/>
-          <p:nvPr/>
-        </p:nvSpPr>
-        <p:spPr>
-          <a:xfrm>
-            <a:off x="971600" y="3140968"/>
-            <a:ext cx="1800200" cy="369332"/>
-          </a:xfrm>
-          <a:prstGeom prst="rect">
-            <a:avLst/>
-          </a:prstGeom>
-          <a:noFill/>
-        </p:spPr>
-        <p:txBody>
-          <a:bodyPr wrap="square" rtlCol="0">
-            <a:spAutoFit/>
-          </a:bodyPr>
-          <a:lstStyle/>
-          <a:p>
-            <a:r>
-              <a:rPr lang="ko-KR" altLang="en-US" smtClean="0"/>
-              <a:t>데이터 내용</a:t>
-            </a:r>
-            <a:endParaRPr lang="ko-KR" altLang="en-US"/>
-          </a:p>
-        </p:txBody>
-      </p:sp>
-      <p:sp>
-        <p:nvSpPr>
-          <p:cNvPr id="6" name="TextBox 5"/>
-          <p:cNvSpPr txBox="1"/>
-          <p:nvPr/>
-        </p:nvSpPr>
-        <p:spPr>
-          <a:xfrm>
-            <a:off x="4860032" y="1416465"/>
-            <a:ext cx="3159428" cy="369332"/>
-          </a:xfrm>
-          <a:prstGeom prst="rect">
-            <a:avLst/>
-          </a:prstGeom>
-          <a:noFill/>
-        </p:spPr>
-        <p:txBody>
-          <a:bodyPr wrap="square" rtlCol="0">
-            <a:spAutoFit/>
-          </a:bodyPr>
-          <a:lstStyle/>
-          <a:p>
-            <a:r>
-              <a:rPr lang="ko-KR" altLang="en-US" dirty="0" smtClean="0"/>
-              <a:t>과정</a:t>
-            </a:r>
-            <a:endParaRPr lang="ko-KR" altLang="en-US" dirty="0"/>
-          </a:p>
-        </p:txBody>
-      </p:sp>
-      <p:sp>
-        <p:nvSpPr>
-          <p:cNvPr id="7" name="TextBox 6"/>
-          <p:cNvSpPr txBox="1"/>
-          <p:nvPr/>
-        </p:nvSpPr>
-        <p:spPr>
-          <a:xfrm>
-            <a:off x="4860032" y="2780928"/>
-            <a:ext cx="2016224" cy="369332"/>
-          </a:xfrm>
-          <a:prstGeom prst="rect">
-            <a:avLst/>
-          </a:prstGeom>
-          <a:noFill/>
-        </p:spPr>
-        <p:txBody>
-          <a:bodyPr wrap="square" rtlCol="0">
-            <a:spAutoFit/>
-          </a:bodyPr>
-          <a:lstStyle/>
-          <a:p>
-            <a:r>
-              <a:rPr lang="ko-KR" altLang="en-US" dirty="0" smtClean="0"/>
-              <a:t>결과물</a:t>
-            </a:r>
-            <a:endParaRPr lang="ko-KR" altLang="en-US" dirty="0"/>
-          </a:p>
-        </p:txBody>
-      </p:sp>
-    </p:spTree>
-    <p:extLst>
-      <p:ext uri="{BB962C8B-B14F-4D97-AF65-F5344CB8AC3E}">
-        <p14:creationId xmlns:p14="http://schemas.microsoft.com/office/powerpoint/2010/main" val="665348789"/>
-      </p:ext>
-    </p:extLst>
-  </p:cSld>
-  <p:clrMapOvr>
-    <a:masterClrMapping/>
-  </p:clrMapOvr>
-  <p:timing>
-    <p:tnLst>
-      <p:par>
-        <p:cTn id="1" dur="indefinite" restart="never" nodeType="tmRoot"/>
-      </p:par>
-    </p:tnLst>
-  </p:timing>
-</p:sld>
-</file>
-
-<file path=ppt/slides/slide3.xml><?xml version="1.0" encoding="utf-8"?>
-<p:sld xmlns:a="http://schemas.openxmlformats.org/drawingml/2006/main" xmlns:r="http://schemas.openxmlformats.org/officeDocument/2006/relationships" xmlns:p="http://schemas.openxmlformats.org/presentationml/2006/main">
-  <p:cSld>
-    <p:spTree>
-      <p:nvGrpSpPr>
-        <p:cNvPr id="1" name=""/>
-        <p:cNvGrpSpPr/>
-        <p:nvPr/>
-      </p:nvGrpSpPr>
-      <p:grpSpPr>
-        <a:xfrm>
-          <a:off x="0" y="0"/>
-          <a:ext cx="0" cy="0"/>
-          <a:chOff x="0" y="0"/>
-          <a:chExt cx="0" cy="0"/>
-        </a:xfrm>
-      </p:grpSpPr>
-      <p:sp>
-        <p:nvSpPr>
-          <p:cNvPr id="2" name="직사각형 1"/>
-          <p:cNvSpPr/>
-          <p:nvPr/>
-        </p:nvSpPr>
-        <p:spPr>
-          <a:xfrm>
-            <a:off x="0" y="0"/>
-            <a:ext cx="9144000" cy="6858000"/>
-          </a:xfrm>
-          <a:prstGeom prst="rect">
-            <a:avLst/>
-          </a:prstGeom>
-          <a:solidFill>
-            <a:schemeClr val="tx1">
-              <a:lumMod val="95000"/>
-              <a:lumOff val="5000"/>
-            </a:schemeClr>
-          </a:solidFill>
-          <a:ln>
-            <a:noFill/>
-          </a:ln>
-        </p:spPr>
-        <p:style>
-          <a:lnRef idx="2">
-            <a:schemeClr val="accent1">
-              <a:shade val="50000"/>
-            </a:schemeClr>
-          </a:lnRef>
-          <a:fillRef idx="1">
-            <a:schemeClr val="accent1"/>
-          </a:fillRef>
-          <a:effectRef idx="0">
-            <a:schemeClr val="accent1"/>
-          </a:effectRef>
-          <a:fontRef idx="minor">
-            <a:schemeClr val="lt1"/>
-          </a:fontRef>
-        </p:style>
-        <p:txBody>
-          <a:bodyPr rtlCol="0" anchor="ctr"/>
-          <a:lstStyle/>
-          <a:p>
-            <a:pPr algn="ctr"/>
-            <a:endParaRPr lang="ko-KR" altLang="en-US"/>
-          </a:p>
-        </p:txBody>
-      </p:sp>
-      <p:grpSp>
-        <p:nvGrpSpPr>
-          <p:cNvPr id="4" name="그룹 3"/>
-          <p:cNvGrpSpPr/>
-          <p:nvPr/>
-        </p:nvGrpSpPr>
-        <p:grpSpPr>
-          <a:xfrm>
-            <a:off x="1982453" y="188640"/>
-            <a:ext cx="6447396" cy="773262"/>
-            <a:chOff x="1982453" y="188640"/>
-            <a:chExt cx="6447396" cy="773262"/>
-          </a:xfrm>
-        </p:grpSpPr>
-        <p:pic>
-          <p:nvPicPr>
-            <p:cNvPr id="2050" name="Picture 2"/>
-            <p:cNvPicPr>
-              <a:picLocks noChangeAspect="1" noChangeArrowheads="1"/>
-            </p:cNvPicPr>
-            <p:nvPr/>
-          </p:nvPicPr>
-          <p:blipFill rotWithShape="1">
-            <a:blip r:embed="rId2">
-              <a:extLst>
-                <a:ext uri="{BEBA8EAE-BF5A-486C-A8C5-ECC9F3942E4B}">
-                  <a14:imgProps xmlns:a14="http://schemas.microsoft.com/office/drawing/2010/main">
-                    <a14:imgLayer r:embed="rId3">
-                      <a14:imgEffect>
-                        <a14:backgroundRemoval t="126" b="13654" l="0" r="100000">
-                          <a14:backgroundMark x1="19434" y1="1138" x2="19336" y2="9987"/>
-                          <a14:backgroundMark x1="79785" y1="4172" x2="94434" y2="11504"/>
-                        </a14:backgroundRemoval>
-                      </a14:imgEffect>
-                    </a14:imgLayer>
-                  </a14:imgProps>
-                </a:ext>
-                <a:ext uri="{28A0092B-C50C-407E-A947-70E740481C1C}">
-                  <a14:useLocalDpi xmlns:a14="http://schemas.microsoft.com/office/drawing/2010/main" val="0"/>
-                </a:ext>
-              </a:extLst>
-            </a:blip>
-            <a:srcRect l="58352" r="21111" b="86098"/>
-            <a:stretch/>
-          </p:blipFill>
-          <p:spPr bwMode="auto">
-            <a:xfrm>
-              <a:off x="1982453" y="188640"/>
-              <a:ext cx="1478844" cy="773262"/>
-            </a:xfrm>
-            <a:prstGeom prst="rect">
-              <a:avLst/>
-            </a:prstGeom>
-            <a:noFill/>
-            <a:ln>
-              <a:noFill/>
-            </a:ln>
-            <a:effectLst/>
-            <a:extLst>
-              <a:ext uri="{909E8E84-426E-40DD-AFC4-6F175D3DCCD1}">
-                <a14:hiddenFill xmlns:a14="http://schemas.microsoft.com/office/drawing/2010/main">
-                  <a:solidFill>
-                    <a:schemeClr val="accent1"/>
-                  </a:solidFill>
-                </a14:hiddenFill>
-              </a:ext>
-              <a:ext uri="{91240B29-F687-4F45-9708-019B960494DF}">
-                <a14:hiddenLine xmlns:a14="http://schemas.microsoft.com/office/drawing/2010/main" w="9525">
-                  <a:solidFill>
-                    <a:schemeClr val="tx1"/>
-                  </a:solidFill>
-                  <a:miter lim="800000"/>
-                  <a:headEnd/>
-                  <a:tailEnd/>
-                </a14:hiddenLine>
-              </a:ext>
-              <a:ext uri="{AF507438-7753-43E0-B8FC-AC1667EBCBE1}">
-                <a14:hiddenEffects xmlns:a14="http://schemas.microsoft.com/office/drawing/2010/main">
-                  <a:effectLst>
-                    <a:outerShdw dist="35921" dir="2700000" algn="ctr" rotWithShape="0">
-                      <a:schemeClr val="bg2"/>
-                    </a:outerShdw>
-                  </a:effectLst>
-                </a14:hiddenEffects>
-              </a:ext>
-            </a:extLst>
-          </p:spPr>
-        </p:pic>
-        <p:pic>
-          <p:nvPicPr>
-            <p:cNvPr id="5" name="Picture 2"/>
-            <p:cNvPicPr>
-              <a:picLocks noChangeAspect="1" noChangeArrowheads="1"/>
-            </p:cNvPicPr>
-            <p:nvPr/>
-          </p:nvPicPr>
-          <p:blipFill rotWithShape="1">
-            <a:blip r:embed="rId2">
-              <a:extLst>
-                <a:ext uri="{BEBA8EAE-BF5A-486C-A8C5-ECC9F3942E4B}">
-                  <a14:imgProps xmlns:a14="http://schemas.microsoft.com/office/drawing/2010/main">
-                    <a14:imgLayer r:embed="rId3">
-                      <a14:imgEffect>
-                        <a14:backgroundRemoval t="126" b="13654" l="0" r="100000">
-                          <a14:backgroundMark x1="19434" y1="1138" x2="19336" y2="9987"/>
-                          <a14:backgroundMark x1="79785" y1="4172" x2="94434" y2="11504"/>
-                        </a14:backgroundRemoval>
-                      </a14:imgEffect>
-                    </a14:imgLayer>
-                  </a14:imgProps>
-                </a:ext>
-                <a:ext uri="{28A0092B-C50C-407E-A947-70E740481C1C}">
-                  <a14:useLocalDpi xmlns:a14="http://schemas.microsoft.com/office/drawing/2010/main" val="0"/>
-                </a:ext>
-              </a:extLst>
-            </a:blip>
-            <a:srcRect l="58352" r="21111" b="86098"/>
-            <a:stretch/>
-          </p:blipFill>
-          <p:spPr bwMode="auto">
-            <a:xfrm>
-              <a:off x="3613697" y="188640"/>
-              <a:ext cx="1478844" cy="773262"/>
-            </a:xfrm>
-            <a:prstGeom prst="rect">
-              <a:avLst/>
-            </a:prstGeom>
-            <a:noFill/>
-            <a:ln>
-              <a:noFill/>
-            </a:ln>
-            <a:effectLst/>
-            <a:extLst>
-              <a:ext uri="{909E8E84-426E-40DD-AFC4-6F175D3DCCD1}">
-                <a14:hiddenFill xmlns:a14="http://schemas.microsoft.com/office/drawing/2010/main">
-                  <a:solidFill>
-                    <a:schemeClr val="accent1"/>
-                  </a:solidFill>
-                </a14:hiddenFill>
-              </a:ext>
-              <a:ext uri="{91240B29-F687-4F45-9708-019B960494DF}">
-                <a14:hiddenLine xmlns:a14="http://schemas.microsoft.com/office/drawing/2010/main" w="9525">
-                  <a:solidFill>
-                    <a:schemeClr val="tx1"/>
-                  </a:solidFill>
-                  <a:miter lim="800000"/>
-                  <a:headEnd/>
-                  <a:tailEnd/>
-                </a14:hiddenLine>
-              </a:ext>
-              <a:ext uri="{AF507438-7753-43E0-B8FC-AC1667EBCBE1}">
-                <a14:hiddenEffects xmlns:a14="http://schemas.microsoft.com/office/drawing/2010/main">
-                  <a:effectLst>
-                    <a:outerShdw dist="35921" dir="2700000" algn="ctr" rotWithShape="0">
-                      <a:schemeClr val="bg2"/>
-                    </a:outerShdw>
-                  </a:effectLst>
-                </a14:hiddenEffects>
-              </a:ext>
-            </a:extLst>
-          </p:spPr>
-        </p:pic>
-        <p:pic>
-          <p:nvPicPr>
-            <p:cNvPr id="6" name="Picture 2"/>
-            <p:cNvPicPr>
-              <a:picLocks noChangeAspect="1" noChangeArrowheads="1"/>
-            </p:cNvPicPr>
-            <p:nvPr/>
-          </p:nvPicPr>
-          <p:blipFill rotWithShape="1">
-            <a:blip r:embed="rId2">
-              <a:extLst>
-                <a:ext uri="{BEBA8EAE-BF5A-486C-A8C5-ECC9F3942E4B}">
-                  <a14:imgProps xmlns:a14="http://schemas.microsoft.com/office/drawing/2010/main">
-                    <a14:imgLayer r:embed="rId3">
-                      <a14:imgEffect>
-                        <a14:backgroundRemoval t="126" b="13654" l="0" r="100000">
-                          <a14:backgroundMark x1="19434" y1="1138" x2="19336" y2="9987"/>
-                          <a14:backgroundMark x1="79785" y1="4172" x2="94434" y2="11504"/>
-                        </a14:backgroundRemoval>
-                      </a14:imgEffect>
-                    </a14:imgLayer>
-                  </a14:imgProps>
-                </a:ext>
-                <a:ext uri="{28A0092B-C50C-407E-A947-70E740481C1C}">
-                  <a14:useLocalDpi xmlns:a14="http://schemas.microsoft.com/office/drawing/2010/main" val="0"/>
-                </a:ext>
-              </a:extLst>
-            </a:blip>
-            <a:srcRect l="58352" r="21111" b="86098"/>
-            <a:stretch/>
-          </p:blipFill>
-          <p:spPr bwMode="auto">
-            <a:xfrm>
-              <a:off x="5366829" y="188640"/>
-              <a:ext cx="1478844" cy="773262"/>
-            </a:xfrm>
-            <a:prstGeom prst="rect">
-              <a:avLst/>
-            </a:prstGeom>
-            <a:noFill/>
-            <a:ln>
-              <a:noFill/>
-            </a:ln>
-            <a:effectLst/>
-            <a:extLst>
-              <a:ext uri="{909E8E84-426E-40DD-AFC4-6F175D3DCCD1}">
-                <a14:hiddenFill xmlns:a14="http://schemas.microsoft.com/office/drawing/2010/main">
-                  <a:solidFill>
-                    <a:schemeClr val="accent1"/>
-                  </a:solidFill>
-                </a14:hiddenFill>
-              </a:ext>
-              <a:ext uri="{91240B29-F687-4F45-9708-019B960494DF}">
-                <a14:hiddenLine xmlns:a14="http://schemas.microsoft.com/office/drawing/2010/main" w="9525">
-                  <a:solidFill>
-                    <a:schemeClr val="tx1"/>
-                  </a:solidFill>
-                  <a:miter lim="800000"/>
-                  <a:headEnd/>
-                  <a:tailEnd/>
-                </a14:hiddenLine>
-              </a:ext>
-              <a:ext uri="{AF507438-7753-43E0-B8FC-AC1667EBCBE1}">
-                <a14:hiddenEffects xmlns:a14="http://schemas.microsoft.com/office/drawing/2010/main">
-                  <a:effectLst>
-                    <a:outerShdw dist="35921" dir="2700000" algn="ctr" rotWithShape="0">
-                      <a:schemeClr val="bg2"/>
-                    </a:outerShdw>
-                  </a:effectLst>
-                </a14:hiddenEffects>
-              </a:ext>
-            </a:extLst>
-          </p:spPr>
-        </p:pic>
-        <p:pic>
-          <p:nvPicPr>
-            <p:cNvPr id="7" name="Picture 2"/>
-            <p:cNvPicPr>
-              <a:picLocks noChangeAspect="1" noChangeArrowheads="1"/>
-            </p:cNvPicPr>
-            <p:nvPr/>
-          </p:nvPicPr>
-          <p:blipFill rotWithShape="1">
-            <a:blip r:embed="rId2">
-              <a:extLst>
-                <a:ext uri="{BEBA8EAE-BF5A-486C-A8C5-ECC9F3942E4B}">
-                  <a14:imgProps xmlns:a14="http://schemas.microsoft.com/office/drawing/2010/main">
-                    <a14:imgLayer r:embed="rId3">
-                      <a14:imgEffect>
-                        <a14:backgroundRemoval t="126" b="13654" l="0" r="100000">
-                          <a14:backgroundMark x1="19434" y1="1138" x2="19336" y2="9987"/>
-                          <a14:backgroundMark x1="79785" y1="4172" x2="94434" y2="11504"/>
-                        </a14:backgroundRemoval>
-                      </a14:imgEffect>
-                    </a14:imgLayer>
-                  </a14:imgProps>
-                </a:ext>
-                <a:ext uri="{28A0092B-C50C-407E-A947-70E740481C1C}">
-                  <a14:useLocalDpi xmlns:a14="http://schemas.microsoft.com/office/drawing/2010/main" val="0"/>
-                </a:ext>
-              </a:extLst>
-            </a:blip>
-            <a:srcRect l="58352" r="21111" b="86098"/>
-            <a:stretch/>
-          </p:blipFill>
-          <p:spPr bwMode="auto">
-            <a:xfrm>
-              <a:off x="6951005" y="188640"/>
-              <a:ext cx="1478844" cy="773262"/>
-            </a:xfrm>
-            <a:prstGeom prst="rect">
-              <a:avLst/>
-            </a:prstGeom>
-            <a:noFill/>
-            <a:ln>
-              <a:noFill/>
-            </a:ln>
-            <a:effectLst/>
-            <a:extLst>
-              <a:ext uri="{909E8E84-426E-40DD-AFC4-6F175D3DCCD1}">
-                <a14:hiddenFill xmlns:a14="http://schemas.microsoft.com/office/drawing/2010/main">
-                  <a:solidFill>
-                    <a:schemeClr val="accent1"/>
-                  </a:solidFill>
-                </a14:hiddenFill>
-              </a:ext>
-              <a:ext uri="{91240B29-F687-4F45-9708-019B960494DF}">
-                <a14:hiddenLine xmlns:a14="http://schemas.microsoft.com/office/drawing/2010/main" w="9525">
-                  <a:solidFill>
-                    <a:schemeClr val="tx1"/>
-                  </a:solidFill>
-                  <a:miter lim="800000"/>
-                  <a:headEnd/>
-                  <a:tailEnd/>
-                </a14:hiddenLine>
-              </a:ext>
-              <a:ext uri="{AF507438-7753-43E0-B8FC-AC1667EBCBE1}">
-                <a14:hiddenEffects xmlns:a14="http://schemas.microsoft.com/office/drawing/2010/main">
-                  <a:effectLst>
-                    <a:outerShdw dist="35921" dir="2700000" algn="ctr" rotWithShape="0">
-                      <a:schemeClr val="bg2"/>
-                    </a:outerShdw>
-                  </a:effectLst>
-                </a14:hiddenEffects>
-              </a:ext>
-            </a:extLst>
-          </p:spPr>
-        </p:pic>
-      </p:grpSp>
-      <p:grpSp>
-        <p:nvGrpSpPr>
-          <p:cNvPr id="13" name="그룹 12"/>
-          <p:cNvGrpSpPr/>
-          <p:nvPr/>
-        </p:nvGrpSpPr>
-        <p:grpSpPr>
-          <a:xfrm>
-            <a:off x="179512" y="179388"/>
-            <a:ext cx="1246383" cy="825755"/>
-            <a:chOff x="179512" y="179388"/>
-            <a:chExt cx="1246383" cy="825755"/>
-          </a:xfrm>
-        </p:grpSpPr>
-        <p:pic>
-          <p:nvPicPr>
-            <p:cNvPr id="8" name="Picture 2" descr="ìí ì¬ë ì´í¸ í-íë¦¿ì ëí ì´ë¯¸ì§ ê²ìê²°ê³¼"/>
-            <p:cNvPicPr>
-              <a:picLocks noChangeAspect="1" noChangeArrowheads="1"/>
-            </p:cNvPicPr>
-            <p:nvPr/>
-          </p:nvPicPr>
-          <p:blipFill rotWithShape="1">
-            <a:blip r:embed="rId4">
-              <a:extLst>
-                <a:ext uri="{BEBA8EAE-BF5A-486C-A8C5-ECC9F3942E4B}">
-                  <a14:imgProps xmlns:a14="http://schemas.microsoft.com/office/drawing/2010/main">
-                    <a14:imgLayer r:embed="rId5">
-                      <a14:imgEffect>
-                        <a14:backgroundRemoval t="1333" b="11995" l="1964" r="17672"/>
-                      </a14:imgEffect>
-                    </a14:imgLayer>
-                  </a14:imgProps>
-                </a:ext>
-                <a:ext uri="{28A0092B-C50C-407E-A947-70E740481C1C}">
-                  <a14:useLocalDpi xmlns:a14="http://schemas.microsoft.com/office/drawing/2010/main" val="0"/>
-                </a:ext>
-              </a:extLst>
-            </a:blip>
-            <a:srcRect l="11568" t="6664" r="80365" b="86672"/>
-            <a:stretch/>
-          </p:blipFill>
-          <p:spPr bwMode="auto">
-            <a:xfrm>
-              <a:off x="827584" y="623357"/>
-              <a:ext cx="598311" cy="381786"/>
-            </a:xfrm>
-            <a:prstGeom prst="rect">
-              <a:avLst/>
-            </a:prstGeom>
-            <a:noFill/>
-            <a:extLst>
-              <a:ext uri="{909E8E84-426E-40DD-AFC4-6F175D3DCCD1}">
-                <a14:hiddenFill xmlns:a14="http://schemas.microsoft.com/office/drawing/2010/main">
-                  <a:solidFill>
-                    <a:srgbClr val="FFFFFF"/>
-                  </a:solidFill>
-                </a14:hiddenFill>
-              </a:ext>
-            </a:extLst>
-          </p:spPr>
-        </p:pic>
-        <p:pic>
-          <p:nvPicPr>
-            <p:cNvPr id="9" name="Picture 2" descr="ìí ì¬ë ì´í¸ í-íë¦¿ì ëí ì´ë¯¸ì§ ê²ìê²°ê³¼"/>
-            <p:cNvPicPr>
-              <a:picLocks noChangeAspect="1" noChangeArrowheads="1"/>
-            </p:cNvPicPr>
-            <p:nvPr/>
-          </p:nvPicPr>
-          <p:blipFill rotWithShape="1">
-            <a:blip r:embed="rId4">
-              <a:extLst>
-                <a:ext uri="{BEBA8EAE-BF5A-486C-A8C5-ECC9F3942E4B}">
-                  <a14:imgProps xmlns:a14="http://schemas.microsoft.com/office/drawing/2010/main">
-                    <a14:imgLayer r:embed="rId5">
-                      <a14:imgEffect>
-                        <a14:backgroundRemoval t="1333" b="11995" l="1964" r="17672"/>
-                      </a14:imgEffect>
-                    </a14:imgLayer>
-                  </a14:imgProps>
-                </a:ext>
-                <a:ext uri="{28A0092B-C50C-407E-A947-70E740481C1C}">
-                  <a14:useLocalDpi xmlns:a14="http://schemas.microsoft.com/office/drawing/2010/main" val="0"/>
-                </a:ext>
-              </a:extLst>
-            </a:blip>
-            <a:srcRect l="11568" t="6664" r="80365" b="86672"/>
-            <a:stretch/>
-          </p:blipFill>
-          <p:spPr bwMode="auto">
-            <a:xfrm>
-              <a:off x="179512" y="179388"/>
-              <a:ext cx="598311" cy="381786"/>
-            </a:xfrm>
-            <a:prstGeom prst="rect">
-              <a:avLst/>
-            </a:prstGeom>
-            <a:noFill/>
-            <a:extLst>
-              <a:ext uri="{909E8E84-426E-40DD-AFC4-6F175D3DCCD1}">
-                <a14:hiddenFill xmlns:a14="http://schemas.microsoft.com/office/drawing/2010/main">
-                  <a:solidFill>
-                    <a:srgbClr val="FFFFFF"/>
-                  </a:solidFill>
-                </a14:hiddenFill>
-              </a:ext>
-            </a:extLst>
-          </p:spPr>
-        </p:pic>
-        <p:pic>
-          <p:nvPicPr>
-            <p:cNvPr id="10" name="Picture 2" descr="ìí ì¬ë ì´í¸ í-íë¦¿ì ëí ì´ë¯¸ì§ ê²ìê²°ê³¼"/>
-            <p:cNvPicPr>
-              <a:picLocks noChangeAspect="1" noChangeArrowheads="1"/>
-            </p:cNvPicPr>
-            <p:nvPr/>
-          </p:nvPicPr>
-          <p:blipFill rotWithShape="1">
-            <a:blip r:embed="rId4">
-              <a:extLst>
-                <a:ext uri="{BEBA8EAE-BF5A-486C-A8C5-ECC9F3942E4B}">
-                  <a14:imgProps xmlns:a14="http://schemas.microsoft.com/office/drawing/2010/main">
-                    <a14:imgLayer r:embed="rId5">
-                      <a14:imgEffect>
-                        <a14:backgroundRemoval t="1333" b="11995" l="1964" r="17672"/>
-                      </a14:imgEffect>
-                    </a14:imgLayer>
-                  </a14:imgProps>
-                </a:ext>
-                <a:ext uri="{28A0092B-C50C-407E-A947-70E740481C1C}">
-                  <a14:useLocalDpi xmlns:a14="http://schemas.microsoft.com/office/drawing/2010/main" val="0"/>
-                </a:ext>
-              </a:extLst>
-            </a:blip>
-            <a:srcRect l="11568" t="6664" r="80365" b="86672"/>
-            <a:stretch/>
-          </p:blipFill>
-          <p:spPr bwMode="auto">
-            <a:xfrm>
-              <a:off x="179512" y="587144"/>
-              <a:ext cx="598311" cy="381786"/>
-            </a:xfrm>
-            <a:prstGeom prst="rect">
-              <a:avLst/>
-            </a:prstGeom>
-            <a:noFill/>
-            <a:extLst>
-              <a:ext uri="{909E8E84-426E-40DD-AFC4-6F175D3DCCD1}">
-                <a14:hiddenFill xmlns:a14="http://schemas.microsoft.com/office/drawing/2010/main">
-                  <a:solidFill>
-                    <a:srgbClr val="FFFFFF"/>
-                  </a:solidFill>
-                </a14:hiddenFill>
-              </a:ext>
-            </a:extLst>
-          </p:spPr>
-        </p:pic>
-      </p:grpSp>
-      <p:pic>
-        <p:nvPicPr>
-          <p:cNvPr id="11" name="Picture 4" descr="ìí ì¬ë ì´í¸ í-íë¦¿ì ëí ì´ë¯¸ì§ ê²ìê²°ê³¼"/>
-          <p:cNvPicPr>
-            <a:picLocks noChangeAspect="1" noChangeArrowheads="1"/>
-          </p:cNvPicPr>
-          <p:nvPr/>
-        </p:nvPicPr>
-        <p:blipFill rotWithShape="1">
-          <a:blip r:embed="rId6">
-            <a:extLst>
-              <a:ext uri="{BEBA8EAE-BF5A-486C-A8C5-ECC9F3942E4B}">
-                <a14:imgProps xmlns:a14="http://schemas.microsoft.com/office/drawing/2010/main">
-                  <a14:imgLayer r:embed="rId5">
-                    <a14:imgEffect>
-                      <a14:backgroundRemoval t="10000" b="90000" l="10000" r="90000">
-                        <a14:foregroundMark x1="19238" y1="48799" x2="19922" y2="50190"/>
-                        <a14:foregroundMark x1="16699" y1="47408" x2="16895" y2="48925"/>
-                        <a14:foregroundMark x1="16016" y1="33502" x2="12988" y2="45765"/>
-                        <a14:foregroundMark x1="19141" y1="52465" x2="20996" y2="51201"/>
-                        <a14:foregroundMark x1="21289" y1="51833" x2="21973" y2="50442"/>
-                      </a14:backgroundRemoval>
-                    </a14:imgEffect>
-                  </a14:imgLayer>
-                </a14:imgProps>
-              </a:ext>
-              <a:ext uri="{28A0092B-C50C-407E-A947-70E740481C1C}">
-                <a14:useLocalDpi xmlns:a14="http://schemas.microsoft.com/office/drawing/2010/main" val="0"/>
-              </a:ext>
-            </a:extLst>
-          </a:blip>
-          <a:srcRect l="9854" t="28666" r="75794" b="43764"/>
-          <a:stretch/>
-        </p:blipFill>
-        <p:spPr bwMode="auto">
-          <a:xfrm flipH="1">
-            <a:off x="7380312" y="1268760"/>
-            <a:ext cx="1024775" cy="1520633"/>
-          </a:xfrm>
-          <a:prstGeom prst="rect">
-            <a:avLst/>
-          </a:prstGeom>
-          <a:noFill/>
-          <a:extLst>
-            <a:ext uri="{909E8E84-426E-40DD-AFC4-6F175D3DCCD1}">
-              <a14:hiddenFill xmlns:a14="http://schemas.microsoft.com/office/drawing/2010/main">
-                <a:solidFill>
-                  <a:srgbClr val="FFFFFF"/>
-                </a:solidFill>
-              </a14:hiddenFill>
-            </a:ext>
-          </a:extLst>
-        </p:spPr>
-      </p:pic>
-      <p:pic>
-        <p:nvPicPr>
-          <p:cNvPr id="12" name="Picture 4" descr="ìí ì¬ë ì´í¸ í-íë¦¿ì ëí ì´ë¯¸ì§ ê²ìê²°ê³¼"/>
-          <p:cNvPicPr>
-            <a:picLocks noChangeAspect="1" noChangeArrowheads="1"/>
-          </p:cNvPicPr>
-          <p:nvPr/>
-        </p:nvPicPr>
-        <p:blipFill rotWithShape="1">
-          <a:blip r:embed="rId6">
-            <a:extLst>
-              <a:ext uri="{BEBA8EAE-BF5A-486C-A8C5-ECC9F3942E4B}">
-                <a14:imgProps xmlns:a14="http://schemas.microsoft.com/office/drawing/2010/main">
-                  <a14:imgLayer r:embed="rId5">
-                    <a14:imgEffect>
-                      <a14:backgroundRemoval t="10000" b="90000" l="10000" r="90000">
-                        <a14:foregroundMark x1="19238" y1="48799" x2="19922" y2="50190"/>
-                        <a14:foregroundMark x1="16699" y1="47408" x2="16895" y2="48925"/>
-                        <a14:foregroundMark x1="16016" y1="33502" x2="12988" y2="45765"/>
-                        <a14:foregroundMark x1="19141" y1="52465" x2="20996" y2="51201"/>
-                        <a14:foregroundMark x1="21289" y1="51833" x2="21973" y2="50442"/>
-                      </a14:backgroundRemoval>
-                    </a14:imgEffect>
-                  </a14:imgLayer>
-                </a14:imgProps>
-              </a:ext>
-              <a:ext uri="{28A0092B-C50C-407E-A947-70E740481C1C}">
-                <a14:useLocalDpi xmlns:a14="http://schemas.microsoft.com/office/drawing/2010/main" val="0"/>
-              </a:ext>
-            </a:extLst>
-          </a:blip>
-          <a:srcRect l="9854" t="28666" r="75794" b="43764"/>
-          <a:stretch/>
-        </p:blipFill>
-        <p:spPr bwMode="auto">
-          <a:xfrm>
-            <a:off x="535867" y="1268760"/>
-            <a:ext cx="1024775" cy="1520633"/>
-          </a:xfrm>
-          <a:prstGeom prst="rect">
-            <a:avLst/>
-          </a:prstGeom>
-          <a:noFill/>
-          <a:extLst>
-            <a:ext uri="{909E8E84-426E-40DD-AFC4-6F175D3DCCD1}">
-              <a14:hiddenFill xmlns:a14="http://schemas.microsoft.com/office/drawing/2010/main">
-                <a:solidFill>
-                  <a:srgbClr val="FFFFFF"/>
-                </a:solidFill>
-              </a14:hiddenFill>
-            </a:ext>
-          </a:extLst>
-        </p:spPr>
-      </p:pic>
-      <p:cxnSp>
-        <p:nvCxnSpPr>
-          <p:cNvPr id="15" name="직선 연결선 14"/>
-          <p:cNvCxnSpPr/>
-          <p:nvPr/>
-        </p:nvCxnSpPr>
-        <p:spPr>
-          <a:xfrm>
-            <a:off x="0" y="2996952"/>
-            <a:ext cx="9144000" cy="0"/>
-          </a:xfrm>
-          <a:prstGeom prst="line">
-            <a:avLst/>
-          </a:prstGeom>
-          <a:ln>
-            <a:solidFill>
-              <a:schemeClr val="bg2">
-                <a:lumMod val="75000"/>
-              </a:schemeClr>
-            </a:solidFill>
-          </a:ln>
-        </p:spPr>
-        <p:style>
-          <a:lnRef idx="1">
-            <a:schemeClr val="accent1"/>
-          </a:lnRef>
-          <a:fillRef idx="0">
-            <a:schemeClr val="accent1"/>
-          </a:fillRef>
-          <a:effectRef idx="0">
-            <a:schemeClr val="accent1"/>
-          </a:effectRef>
-          <a:fontRef idx="minor">
-            <a:schemeClr val="tx1"/>
-          </a:fontRef>
-        </p:style>
-      </p:cxnSp>
-      <p:cxnSp>
-        <p:nvCxnSpPr>
-          <p:cNvPr id="17" name="직선 연결선 16"/>
-          <p:cNvCxnSpPr/>
-          <p:nvPr/>
-        </p:nvCxnSpPr>
-        <p:spPr>
-          <a:xfrm>
-            <a:off x="3275856" y="3050656"/>
-            <a:ext cx="22578" cy="3807344"/>
-          </a:xfrm>
-          <a:prstGeom prst="line">
-            <a:avLst/>
-          </a:prstGeom>
-          <a:ln>
-            <a:solidFill>
-              <a:schemeClr val="bg2">
-                <a:lumMod val="75000"/>
-              </a:schemeClr>
-            </a:solidFill>
-          </a:ln>
-        </p:spPr>
-        <p:style>
-          <a:lnRef idx="1">
-            <a:schemeClr val="accent1"/>
-          </a:lnRef>
-          <a:fillRef idx="0">
-            <a:schemeClr val="accent1"/>
-          </a:fillRef>
-          <a:effectRef idx="0">
-            <a:schemeClr val="accent1"/>
-          </a:effectRef>
-          <a:fontRef idx="minor">
-            <a:schemeClr val="tx1"/>
-          </a:fontRef>
-        </p:style>
-      </p:cxnSp>
-      <p:sp>
-        <p:nvSpPr>
-          <p:cNvPr id="18" name="TextBox 17"/>
-          <p:cNvSpPr txBox="1"/>
-          <p:nvPr/>
-        </p:nvSpPr>
-        <p:spPr>
-          <a:xfrm>
-            <a:off x="3131840" y="1610590"/>
-            <a:ext cx="1584176" cy="707886"/>
-          </a:xfrm>
-          <a:prstGeom prst="rect">
-            <a:avLst/>
-          </a:prstGeom>
-          <a:noFill/>
-        </p:spPr>
-        <p:txBody>
-          <a:bodyPr wrap="square" rtlCol="0">
-            <a:spAutoFit/>
-          </a:bodyPr>
-          <a:lstStyle/>
-          <a:p>
-            <a:pPr algn="ctr"/>
-            <a:r>
-              <a:rPr lang="ko-KR" altLang="en-US" sz="4000" dirty="0" smtClean="0">
-                <a:solidFill>
-                  <a:srgbClr val="CCB16A"/>
-                </a:solidFill>
-                <a:effectLst>
-                  <a:outerShdw blurRad="38100" dist="38100" dir="2700000" algn="tl">
-                    <a:srgbClr val="000000">
-                      <a:alpha val="43137"/>
-                    </a:srgbClr>
-                  </a:outerShdw>
-                </a:effectLst>
-                <a:latin typeface="타이포_달꽃 M" pitchFamily="18" charset="-127"/>
-                <a:ea typeface="타이포_달꽃 M" pitchFamily="18" charset="-127"/>
-              </a:rPr>
-              <a:t>목표</a:t>
-            </a:r>
-            <a:endParaRPr lang="ko-KR" altLang="en-US" sz="4000" dirty="0">
-              <a:solidFill>
-                <a:srgbClr val="CCB16A"/>
-              </a:solidFill>
-              <a:effectLst>
-                <a:outerShdw blurRad="38100" dist="38100" dir="2700000" algn="tl">
-                  <a:srgbClr val="000000">
-                    <a:alpha val="43137"/>
-                  </a:srgbClr>
-                </a:outerShdw>
-              </a:effectLst>
-              <a:latin typeface="타이포_달꽃 M" pitchFamily="18" charset="-127"/>
-              <a:ea typeface="타이포_달꽃 M" pitchFamily="18" charset="-127"/>
-            </a:endParaRPr>
-          </a:p>
-        </p:txBody>
-      </p:sp>
-      <p:cxnSp>
-        <p:nvCxnSpPr>
-          <p:cNvPr id="19" name="직선 연결선 18"/>
-          <p:cNvCxnSpPr/>
-          <p:nvPr/>
-        </p:nvCxnSpPr>
-        <p:spPr>
-          <a:xfrm>
-            <a:off x="6232366" y="3050656"/>
-            <a:ext cx="22578" cy="3807344"/>
-          </a:xfrm>
-          <a:prstGeom prst="line">
-            <a:avLst/>
-          </a:prstGeom>
-          <a:ln>
-            <a:solidFill>
-              <a:schemeClr val="bg2">
-                <a:lumMod val="75000"/>
-              </a:schemeClr>
-            </a:solidFill>
-          </a:ln>
-        </p:spPr>
-        <p:style>
-          <a:lnRef idx="1">
-            <a:schemeClr val="accent1"/>
-          </a:lnRef>
-          <a:fillRef idx="0">
-            <a:schemeClr val="accent1"/>
-          </a:fillRef>
-          <a:effectRef idx="0">
-            <a:schemeClr val="accent1"/>
-          </a:effectRef>
-          <a:fontRef idx="minor">
-            <a:schemeClr val="tx1"/>
-          </a:fontRef>
-        </p:style>
-      </p:cxnSp>
-      <p:sp>
-        <p:nvSpPr>
-          <p:cNvPr id="20" name="TextBox 19"/>
-          <p:cNvSpPr txBox="1"/>
-          <p:nvPr/>
-        </p:nvSpPr>
-        <p:spPr>
-          <a:xfrm>
-            <a:off x="179512" y="3717032"/>
-            <a:ext cx="2542363" cy="646331"/>
-          </a:xfrm>
-          <a:prstGeom prst="rect">
-            <a:avLst/>
-          </a:prstGeom>
-          <a:noFill/>
-        </p:spPr>
-        <p:txBody>
-          <a:bodyPr wrap="square" rtlCol="0">
-            <a:spAutoFit/>
-          </a:bodyPr>
-          <a:lstStyle/>
-          <a:p>
-            <a:r>
-              <a:rPr lang="ko-KR" altLang="en-US" dirty="0" smtClean="0">
-                <a:solidFill>
-                  <a:schemeClr val="bg1"/>
-                </a:solidFill>
-                <a:latin typeface="나눔스퀘어OTF Light" pitchFamily="34" charset="-127"/>
-                <a:ea typeface="나눔스퀘어OTF Light" pitchFamily="34" charset="-127"/>
-              </a:rPr>
-              <a:t>영화</a:t>
-            </a:r>
-            <a:r>
-              <a:rPr lang="en-US" altLang="ko-KR" dirty="0" err="1" smtClean="0">
-                <a:solidFill>
-                  <a:schemeClr val="bg1"/>
-                </a:solidFill>
-                <a:latin typeface="나눔스퀘어OTF Light" pitchFamily="34" charset="-127"/>
-                <a:ea typeface="나눔스퀘어OTF Light" pitchFamily="34" charset="-127"/>
-              </a:rPr>
-              <a:t>db</a:t>
-            </a:r>
-            <a:r>
-              <a:rPr lang="ko-KR" altLang="en-US" dirty="0" smtClean="0">
-                <a:solidFill>
-                  <a:schemeClr val="bg1"/>
-                </a:solidFill>
-                <a:latin typeface="나눔스퀘어OTF Light" pitchFamily="34" charset="-127"/>
-                <a:ea typeface="나눔스퀘어OTF Light" pitchFamily="34" charset="-127"/>
-              </a:rPr>
-              <a:t>기반의 정보 수집 및 분류 정보 제공</a:t>
-            </a:r>
-            <a:endParaRPr lang="ko-KR" altLang="en-US" dirty="0" smtClean="0">
-              <a:solidFill>
-                <a:schemeClr val="bg1"/>
-              </a:solidFill>
-              <a:latin typeface="나눔스퀘어OTF Light" pitchFamily="34" charset="-127"/>
-              <a:ea typeface="나눔스퀘어OTF Light" pitchFamily="34" charset="-127"/>
-            </a:endParaRPr>
-          </a:p>
-        </p:txBody>
-      </p:sp>
-      <p:sp>
-        <p:nvSpPr>
-          <p:cNvPr id="21" name="TextBox 20"/>
-          <p:cNvSpPr txBox="1"/>
-          <p:nvPr/>
-        </p:nvSpPr>
-        <p:spPr>
-          <a:xfrm>
-            <a:off x="179512" y="4437112"/>
-            <a:ext cx="3062265" cy="1754326"/>
-          </a:xfrm>
-          <a:prstGeom prst="rect">
-            <a:avLst/>
-          </a:prstGeom>
-          <a:noFill/>
-        </p:spPr>
-        <p:txBody>
-          <a:bodyPr wrap="square" rtlCol="0">
-            <a:spAutoFit/>
-          </a:bodyPr>
-          <a:lstStyle/>
-          <a:p>
-            <a:r>
-              <a:rPr lang="ko-KR" altLang="en-US" dirty="0" smtClean="0">
-                <a:solidFill>
-                  <a:schemeClr val="bg1"/>
-                </a:solidFill>
-                <a:latin typeface="나눔스퀘어OTF Light" pitchFamily="34" charset="-127"/>
-                <a:ea typeface="나눔스퀘어OTF Light" pitchFamily="34" charset="-127"/>
-              </a:rPr>
-              <a:t>영화 기본 정보</a:t>
-            </a:r>
-            <a:endParaRPr lang="en-US" altLang="ko-KR" dirty="0" smtClean="0">
-              <a:solidFill>
-                <a:schemeClr val="bg1"/>
-              </a:solidFill>
-              <a:latin typeface="나눔스퀘어OTF Light" pitchFamily="34" charset="-127"/>
-              <a:ea typeface="나눔스퀘어OTF Light" pitchFamily="34" charset="-127"/>
-            </a:endParaRPr>
-          </a:p>
-          <a:p>
-            <a:r>
-              <a:rPr lang="ko-KR" altLang="en-US" dirty="0" smtClean="0">
-                <a:solidFill>
-                  <a:schemeClr val="bg1"/>
-                </a:solidFill>
-                <a:latin typeface="나눔스퀘어OTF Light" pitchFamily="34" charset="-127"/>
-                <a:ea typeface="나눔스퀘어OTF Light" pitchFamily="34" charset="-127"/>
-              </a:rPr>
-              <a:t>영화 매출 정보</a:t>
-            </a:r>
-            <a:r>
-              <a:rPr lang="ko-KR" altLang="en-US" dirty="0" smtClean="0">
-                <a:solidFill>
-                  <a:schemeClr val="bg1"/>
-                </a:solidFill>
-                <a:latin typeface="나눔스퀘어OTF Light" pitchFamily="34" charset="-127"/>
-                <a:ea typeface="나눔스퀘어OTF Light" pitchFamily="34" charset="-127"/>
-              </a:rPr>
-              <a:t> </a:t>
-            </a:r>
-            <a:endParaRPr lang="en-US" altLang="ko-KR" dirty="0" smtClean="0">
-              <a:solidFill>
-                <a:schemeClr val="bg1"/>
-              </a:solidFill>
-              <a:latin typeface="나눔스퀘어OTF Light" pitchFamily="34" charset="-127"/>
-              <a:ea typeface="나눔스퀘어OTF Light" pitchFamily="34" charset="-127"/>
-            </a:endParaRPr>
-          </a:p>
-          <a:p>
-            <a:r>
-              <a:rPr lang="ko-KR" altLang="en-US" dirty="0" smtClean="0">
-                <a:solidFill>
-                  <a:schemeClr val="bg1"/>
-                </a:solidFill>
-                <a:latin typeface="나눔스퀘어OTF Light" pitchFamily="34" charset="-127"/>
-                <a:ea typeface="나눔스퀘어OTF Light" pitchFamily="34" charset="-127"/>
-              </a:rPr>
-              <a:t>영화 관객 수에 따른 관람 순위</a:t>
-            </a:r>
-            <a:endParaRPr lang="en-US" altLang="ko-KR" dirty="0" smtClean="0">
-              <a:solidFill>
-                <a:schemeClr val="bg1"/>
-              </a:solidFill>
-              <a:latin typeface="나눔스퀘어OTF Light" pitchFamily="34" charset="-127"/>
-              <a:ea typeface="나눔스퀘어OTF Light" pitchFamily="34" charset="-127"/>
-            </a:endParaRPr>
-          </a:p>
-          <a:p>
-            <a:endParaRPr lang="en-US" altLang="ko-KR" dirty="0">
-              <a:solidFill>
-                <a:schemeClr val="bg1"/>
-              </a:solidFill>
-              <a:latin typeface="나눔스퀘어OTF Light" pitchFamily="34" charset="-127"/>
-              <a:ea typeface="나눔스퀘어OTF Light" pitchFamily="34" charset="-127"/>
-            </a:endParaRPr>
-          </a:p>
-          <a:p>
-            <a:r>
-              <a:rPr lang="en-US" altLang="ko-KR" dirty="0" smtClean="0">
-                <a:solidFill>
-                  <a:schemeClr val="bg1"/>
-                </a:solidFill>
-                <a:latin typeface="나눔스퀘어OTF Light" pitchFamily="34" charset="-127"/>
-                <a:ea typeface="나눔스퀘어OTF Light" pitchFamily="34" charset="-127"/>
-              </a:rPr>
-              <a:t>IPTV </a:t>
-            </a:r>
-            <a:r>
-              <a:rPr lang="ko-KR" altLang="en-US" dirty="0" smtClean="0">
-                <a:solidFill>
-                  <a:schemeClr val="bg1"/>
-                </a:solidFill>
-                <a:latin typeface="나눔스퀘어OTF Light" pitchFamily="34" charset="-127"/>
-                <a:ea typeface="나눔스퀘어OTF Light" pitchFamily="34" charset="-127"/>
-              </a:rPr>
-              <a:t>월별 시청 횟수에 따른 시청 순위 </a:t>
-            </a:r>
-            <a:r>
-              <a:rPr lang="en-US" altLang="ko-KR" dirty="0" smtClean="0">
-                <a:solidFill>
-                  <a:schemeClr val="bg1"/>
-                </a:solidFill>
-                <a:latin typeface="나눔스퀘어OTF Light" pitchFamily="34" charset="-127"/>
-                <a:ea typeface="나눔스퀘어OTF Light" pitchFamily="34" charset="-127"/>
-              </a:rPr>
-              <a:t>(TOP 100)</a:t>
-            </a:r>
-            <a:endParaRPr lang="ko-KR" altLang="en-US" dirty="0" smtClean="0">
-              <a:solidFill>
-                <a:schemeClr val="bg1"/>
-              </a:solidFill>
-              <a:latin typeface="나눔스퀘어OTF Light" pitchFamily="34" charset="-127"/>
-              <a:ea typeface="나눔스퀘어OTF Light" pitchFamily="34" charset="-127"/>
-            </a:endParaRPr>
-          </a:p>
-        </p:txBody>
-      </p:sp>
-      <p:sp>
-        <p:nvSpPr>
-          <p:cNvPr id="22" name="TextBox 21"/>
-          <p:cNvSpPr txBox="1"/>
-          <p:nvPr/>
-        </p:nvSpPr>
-        <p:spPr>
-          <a:xfrm>
-            <a:off x="3466233" y="3671587"/>
-            <a:ext cx="2808312" cy="3139321"/>
-          </a:xfrm>
-          <a:prstGeom prst="rect">
-            <a:avLst/>
-          </a:prstGeom>
-          <a:noFill/>
-        </p:spPr>
-        <p:txBody>
-          <a:bodyPr wrap="square" rtlCol="0">
-            <a:spAutoFit/>
-          </a:bodyPr>
-          <a:lstStyle/>
-          <a:p>
-            <a:r>
-              <a:rPr lang="ko-KR" altLang="en-US" dirty="0" smtClean="0">
-                <a:solidFill>
-                  <a:schemeClr val="bg1"/>
-                </a:solidFill>
-                <a:latin typeface="나눔스퀘어OTF Light" pitchFamily="34" charset="-127"/>
-                <a:ea typeface="나눔스퀘어OTF Light" pitchFamily="34" charset="-127"/>
-              </a:rPr>
-              <a:t>데이터 처리 과정</a:t>
-            </a:r>
-            <a:endParaRPr lang="en-US" altLang="ko-KR" dirty="0" smtClean="0">
-              <a:solidFill>
-                <a:schemeClr val="bg1"/>
-              </a:solidFill>
-              <a:latin typeface="나눔스퀘어OTF Light" pitchFamily="34" charset="-127"/>
-              <a:ea typeface="나눔스퀘어OTF Light" pitchFamily="34" charset="-127"/>
-            </a:endParaRPr>
-          </a:p>
-          <a:p>
-            <a:r>
-              <a:rPr lang="en-US" altLang="ko-KR" dirty="0" smtClean="0">
-                <a:solidFill>
-                  <a:schemeClr val="bg1"/>
-                </a:solidFill>
-                <a:latin typeface="나눔스퀘어OTF Light" pitchFamily="34" charset="-127"/>
-                <a:ea typeface="나눔스퀘어OTF Light" pitchFamily="34" charset="-127"/>
-              </a:rPr>
-              <a:t>-</a:t>
-            </a:r>
-            <a:r>
-              <a:rPr lang="ko-KR" altLang="en-US" dirty="0" err="1" smtClean="0">
-                <a:solidFill>
-                  <a:schemeClr val="bg1"/>
-                </a:solidFill>
-                <a:latin typeface="나눔스퀘어OTF Light" pitchFamily="34" charset="-127"/>
-                <a:ea typeface="나눔스퀘어OTF Light" pitchFamily="34" charset="-127"/>
-              </a:rPr>
-              <a:t>오라클</a:t>
-            </a:r>
-            <a:r>
-              <a:rPr lang="ko-KR" altLang="en-US" dirty="0" smtClean="0">
-                <a:solidFill>
-                  <a:schemeClr val="bg1"/>
-                </a:solidFill>
-                <a:latin typeface="나눔스퀘어OTF Light" pitchFamily="34" charset="-127"/>
-                <a:ea typeface="나눔스퀘어OTF Light" pitchFamily="34" charset="-127"/>
-              </a:rPr>
-              <a:t> </a:t>
-            </a:r>
-            <a:r>
-              <a:rPr lang="en-US" altLang="ko-KR" dirty="0" smtClean="0">
-                <a:solidFill>
-                  <a:schemeClr val="bg1"/>
-                </a:solidFill>
-                <a:latin typeface="나눔스퀘어OTF Light" pitchFamily="34" charset="-127"/>
-                <a:ea typeface="나눔스퀘어OTF Light" pitchFamily="34" charset="-127"/>
-              </a:rPr>
-              <a:t>/ </a:t>
-            </a:r>
-            <a:r>
-              <a:rPr lang="en-US" altLang="ko-KR" dirty="0" err="1" smtClean="0">
-                <a:solidFill>
-                  <a:schemeClr val="bg1"/>
-                </a:solidFill>
-                <a:latin typeface="나눔스퀘어OTF Light" pitchFamily="34" charset="-127"/>
-                <a:ea typeface="나눔스퀘어OTF Light" pitchFamily="34" charset="-127"/>
-              </a:rPr>
-              <a:t>Mysql</a:t>
-            </a:r>
-            <a:r>
-              <a:rPr lang="en-US" altLang="ko-KR" dirty="0" smtClean="0">
-                <a:solidFill>
-                  <a:schemeClr val="bg1"/>
-                </a:solidFill>
-                <a:latin typeface="나눔스퀘어OTF Light" pitchFamily="34" charset="-127"/>
-                <a:ea typeface="나눔스퀘어OTF Light" pitchFamily="34" charset="-127"/>
-              </a:rPr>
-              <a:t> / </a:t>
-            </a:r>
-            <a:r>
-              <a:rPr lang="ko-KR" altLang="en-US" dirty="0" err="1" smtClean="0">
-                <a:solidFill>
-                  <a:schemeClr val="bg1"/>
-                </a:solidFill>
-                <a:latin typeface="나눔스퀘어OTF Light" pitchFamily="34" charset="-127"/>
-                <a:ea typeface="나눔스퀘어OTF Light" pitchFamily="34" charset="-127"/>
-              </a:rPr>
-              <a:t>하둡</a:t>
-            </a:r>
-            <a:endParaRPr lang="en-US" altLang="ko-KR" dirty="0" smtClean="0">
-              <a:solidFill>
-                <a:schemeClr val="bg1"/>
-              </a:solidFill>
-              <a:latin typeface="나눔스퀘어OTF Light" pitchFamily="34" charset="-127"/>
-              <a:ea typeface="나눔스퀘어OTF Light" pitchFamily="34" charset="-127"/>
-            </a:endParaRPr>
-          </a:p>
-          <a:p>
-            <a:endParaRPr lang="en-US" altLang="ko-KR" dirty="0" smtClean="0">
-              <a:solidFill>
-                <a:schemeClr val="bg1"/>
-              </a:solidFill>
-              <a:latin typeface="나눔스퀘어OTF Light" pitchFamily="34" charset="-127"/>
-              <a:ea typeface="나눔스퀘어OTF Light" pitchFamily="34" charset="-127"/>
-            </a:endParaRPr>
-          </a:p>
-          <a:p>
-            <a:r>
-              <a:rPr lang="ko-KR" altLang="en-US" dirty="0" smtClean="0">
-                <a:solidFill>
-                  <a:schemeClr val="bg1"/>
-                </a:solidFill>
-                <a:latin typeface="나눔스퀘어OTF Light" pitchFamily="34" charset="-127"/>
-                <a:ea typeface="나눔스퀘어OTF Light" pitchFamily="34" charset="-127"/>
-              </a:rPr>
-              <a:t>웹</a:t>
-            </a:r>
-            <a:endParaRPr lang="en-US" altLang="ko-KR" dirty="0">
-              <a:solidFill>
-                <a:schemeClr val="bg1"/>
-              </a:solidFill>
-              <a:latin typeface="나눔스퀘어OTF Light" pitchFamily="34" charset="-127"/>
-              <a:ea typeface="나눔스퀘어OTF Light" pitchFamily="34" charset="-127"/>
-            </a:endParaRPr>
-          </a:p>
-          <a:p>
-            <a:r>
-              <a:rPr lang="en-US" altLang="ko-KR" dirty="0" smtClean="0">
-                <a:solidFill>
-                  <a:schemeClr val="bg1"/>
-                </a:solidFill>
-                <a:latin typeface="나눔스퀘어OTF Light" pitchFamily="34" charset="-127"/>
-                <a:ea typeface="나눔스퀘어OTF Light" pitchFamily="34" charset="-127"/>
-              </a:rPr>
-              <a:t>-</a:t>
-            </a:r>
-            <a:r>
-              <a:rPr lang="ko-KR" altLang="en-US" dirty="0" smtClean="0">
-                <a:solidFill>
-                  <a:schemeClr val="bg1"/>
-                </a:solidFill>
-                <a:latin typeface="나눔스퀘어OTF Light" pitchFamily="34" charset="-127"/>
-                <a:ea typeface="나눔스퀘어OTF Light" pitchFamily="34" charset="-127"/>
-              </a:rPr>
-              <a:t>자바</a:t>
-            </a:r>
-            <a:r>
-              <a:rPr lang="en-US" altLang="ko-KR" dirty="0">
-                <a:solidFill>
-                  <a:schemeClr val="bg1"/>
-                </a:solidFill>
-                <a:latin typeface="나눔스퀘어OTF Light" pitchFamily="34" charset="-127"/>
-                <a:ea typeface="나눔스퀘어OTF Light" pitchFamily="34" charset="-127"/>
-              </a:rPr>
-              <a:t> </a:t>
-            </a:r>
-            <a:r>
-              <a:rPr lang="en-US" altLang="ko-KR" dirty="0" smtClean="0">
-                <a:solidFill>
-                  <a:schemeClr val="bg1"/>
-                </a:solidFill>
-                <a:latin typeface="나눔스퀘어OTF Light" pitchFamily="34" charset="-127"/>
-                <a:ea typeface="나눔스퀘어OTF Light" pitchFamily="34" charset="-127"/>
-              </a:rPr>
-              <a:t>/ </a:t>
-            </a:r>
-            <a:r>
-              <a:rPr lang="en-US" altLang="ko-KR" dirty="0" err="1" smtClean="0">
-                <a:solidFill>
-                  <a:schemeClr val="bg1"/>
-                </a:solidFill>
-                <a:latin typeface="나눔스퀘어OTF Light" pitchFamily="34" charset="-127"/>
-                <a:ea typeface="나눔스퀘어OTF Light" pitchFamily="34" charset="-127"/>
-              </a:rPr>
-              <a:t>js</a:t>
-            </a:r>
-            <a:r>
-              <a:rPr lang="en-US" altLang="ko-KR" dirty="0" smtClean="0">
-                <a:solidFill>
-                  <a:schemeClr val="bg1"/>
-                </a:solidFill>
-                <a:latin typeface="나눔스퀘어OTF Light" pitchFamily="34" charset="-127"/>
-                <a:ea typeface="나눔스퀘어OTF Light" pitchFamily="34" charset="-127"/>
-              </a:rPr>
-              <a:t> / </a:t>
-            </a:r>
-            <a:r>
-              <a:rPr lang="ko-KR" altLang="en-US" dirty="0" err="1" smtClean="0">
-                <a:solidFill>
-                  <a:schemeClr val="bg1"/>
-                </a:solidFill>
-                <a:latin typeface="나눔스퀘어OTF Light" pitchFamily="34" charset="-127"/>
-                <a:ea typeface="나눔스퀘어OTF Light" pitchFamily="34" charset="-127"/>
-              </a:rPr>
-              <a:t>파이썬</a:t>
-            </a:r>
-            <a:r>
-              <a:rPr lang="ko-KR" altLang="en-US" dirty="0" smtClean="0">
-                <a:solidFill>
-                  <a:schemeClr val="bg1"/>
-                </a:solidFill>
-                <a:latin typeface="나눔스퀘어OTF Light" pitchFamily="34" charset="-127"/>
-                <a:ea typeface="나눔스퀘어OTF Light" pitchFamily="34" charset="-127"/>
-              </a:rPr>
-              <a:t> </a:t>
-            </a:r>
-            <a:r>
-              <a:rPr lang="en-US" altLang="ko-KR" dirty="0" smtClean="0">
-                <a:solidFill>
-                  <a:schemeClr val="bg1"/>
-                </a:solidFill>
-                <a:latin typeface="나눔스퀘어OTF Light" pitchFamily="34" charset="-127"/>
-                <a:ea typeface="나눔스퀘어OTF Light" pitchFamily="34" charset="-127"/>
-              </a:rPr>
-              <a:t>/ R</a:t>
-            </a:r>
-          </a:p>
-          <a:p>
-            <a:endParaRPr lang="en-US" altLang="ko-KR" dirty="0">
-              <a:solidFill>
-                <a:schemeClr val="bg1"/>
-              </a:solidFill>
-              <a:latin typeface="나눔스퀘어OTF Light" pitchFamily="34" charset="-127"/>
-              <a:ea typeface="나눔스퀘어OTF Light" pitchFamily="34" charset="-127"/>
-            </a:endParaRPr>
-          </a:p>
-          <a:p>
-            <a:r>
-              <a:rPr lang="ko-KR" altLang="en-US" dirty="0" smtClean="0">
-                <a:solidFill>
-                  <a:schemeClr val="bg1"/>
-                </a:solidFill>
-                <a:latin typeface="나눔스퀘어OTF Light" pitchFamily="34" charset="-127"/>
-                <a:ea typeface="나눔스퀘어OTF Light" pitchFamily="34" charset="-127"/>
-              </a:rPr>
-              <a:t>시각화</a:t>
-            </a:r>
-            <a:endParaRPr lang="en-US" altLang="ko-KR" dirty="0" smtClean="0">
-              <a:solidFill>
-                <a:schemeClr val="bg1"/>
-              </a:solidFill>
-              <a:latin typeface="나눔스퀘어OTF Light" pitchFamily="34" charset="-127"/>
-              <a:ea typeface="나눔스퀘어OTF Light" pitchFamily="34" charset="-127"/>
-            </a:endParaRPr>
-          </a:p>
-          <a:p>
-            <a:r>
-              <a:rPr lang="en-US" altLang="ko-KR" dirty="0" smtClean="0">
-                <a:solidFill>
-                  <a:schemeClr val="bg1"/>
-                </a:solidFill>
-                <a:latin typeface="나눔스퀘어OTF Light" pitchFamily="34" charset="-127"/>
-                <a:ea typeface="나눔스퀘어OTF Light" pitchFamily="34" charset="-127"/>
-              </a:rPr>
-              <a:t>-</a:t>
-            </a:r>
-            <a:r>
-              <a:rPr lang="ko-KR" altLang="en-US" dirty="0" err="1" smtClean="0">
-                <a:solidFill>
-                  <a:schemeClr val="bg1"/>
-                </a:solidFill>
-                <a:latin typeface="나눔스퀘어OTF Light" pitchFamily="34" charset="-127"/>
-                <a:ea typeface="나눔스퀘어OTF Light" pitchFamily="34" charset="-127"/>
-              </a:rPr>
-              <a:t>구글차트</a:t>
-            </a:r>
-            <a:r>
-              <a:rPr lang="ko-KR" altLang="en-US" dirty="0" smtClean="0">
-                <a:solidFill>
-                  <a:schemeClr val="bg1"/>
-                </a:solidFill>
-                <a:latin typeface="나눔스퀘어OTF Light" pitchFamily="34" charset="-127"/>
-                <a:ea typeface="나눔스퀘어OTF Light" pitchFamily="34" charset="-127"/>
-              </a:rPr>
-              <a:t> </a:t>
-            </a:r>
-            <a:r>
-              <a:rPr lang="en-US" altLang="ko-KR" dirty="0" smtClean="0">
-                <a:solidFill>
-                  <a:schemeClr val="bg1"/>
-                </a:solidFill>
-                <a:latin typeface="나눔스퀘어OTF Light" pitchFamily="34" charset="-127"/>
-                <a:ea typeface="나눔스퀘어OTF Light" pitchFamily="34" charset="-127"/>
-              </a:rPr>
-              <a:t>/ d3 / </a:t>
-            </a:r>
-            <a:r>
-              <a:rPr lang="ko-KR" altLang="en-US" dirty="0" err="1" smtClean="0">
-                <a:solidFill>
-                  <a:schemeClr val="bg1"/>
-                </a:solidFill>
-                <a:latin typeface="나눔스퀘어OTF Light" pitchFamily="34" charset="-127"/>
-                <a:ea typeface="나눔스퀘어OTF Light" pitchFamily="34" charset="-127"/>
-              </a:rPr>
-              <a:t>비주얼리티</a:t>
-            </a:r>
-            <a:r>
-              <a:rPr lang="ko-KR" altLang="en-US" dirty="0" smtClean="0">
-                <a:solidFill>
-                  <a:schemeClr val="bg1"/>
-                </a:solidFill>
-                <a:latin typeface="나눔스퀘어OTF Light" pitchFamily="34" charset="-127"/>
-                <a:ea typeface="나눔스퀘어OTF Light" pitchFamily="34" charset="-127"/>
-              </a:rPr>
-              <a:t> </a:t>
-            </a:r>
-            <a:r>
-              <a:rPr lang="en-US" altLang="ko-KR" dirty="0" smtClean="0">
-                <a:solidFill>
-                  <a:schemeClr val="bg1"/>
-                </a:solidFill>
-                <a:latin typeface="나눔스퀘어OTF Light" pitchFamily="34" charset="-127"/>
-                <a:ea typeface="나눔스퀘어OTF Light" pitchFamily="34" charset="-127"/>
-              </a:rPr>
-              <a:t>x</a:t>
-            </a:r>
-          </a:p>
-          <a:p>
-            <a:endParaRPr lang="en-US" altLang="ko-KR" dirty="0">
-              <a:solidFill>
-                <a:schemeClr val="bg1"/>
-              </a:solidFill>
-              <a:latin typeface="나눔스퀘어OTF Light" pitchFamily="34" charset="-127"/>
-              <a:ea typeface="나눔스퀘어OTF Light" pitchFamily="34" charset="-127"/>
-            </a:endParaRPr>
-          </a:p>
-          <a:p>
-            <a:endParaRPr lang="ko-KR" altLang="en-US" dirty="0" smtClean="0">
-              <a:solidFill>
-                <a:schemeClr val="bg1"/>
-              </a:solidFill>
-              <a:latin typeface="나눔스퀘어OTF Light" pitchFamily="34" charset="-127"/>
-              <a:ea typeface="나눔스퀘어OTF Light" pitchFamily="34" charset="-127"/>
-            </a:endParaRPr>
-          </a:p>
-        </p:txBody>
-      </p:sp>
-      <p:cxnSp>
-        <p:nvCxnSpPr>
-          <p:cNvPr id="27" name="직선 연결선 26"/>
-          <p:cNvCxnSpPr/>
-          <p:nvPr/>
-        </p:nvCxnSpPr>
-        <p:spPr>
-          <a:xfrm>
-            <a:off x="-36512" y="2947522"/>
-            <a:ext cx="9144000" cy="0"/>
-          </a:xfrm>
-          <a:prstGeom prst="line">
-            <a:avLst/>
-          </a:prstGeom>
-          <a:ln>
-            <a:solidFill>
-              <a:schemeClr val="bg2">
-                <a:lumMod val="75000"/>
-              </a:schemeClr>
-            </a:solidFill>
-          </a:ln>
-        </p:spPr>
-        <p:style>
-          <a:lnRef idx="1">
-            <a:schemeClr val="accent1"/>
-          </a:lnRef>
-          <a:fillRef idx="0">
-            <a:schemeClr val="accent1"/>
-          </a:fillRef>
-          <a:effectRef idx="0">
-            <a:schemeClr val="accent1"/>
-          </a:effectRef>
-          <a:fontRef idx="minor">
-            <a:schemeClr val="tx1"/>
-          </a:fontRef>
-        </p:style>
-      </p:cxnSp>
-      <p:cxnSp>
-        <p:nvCxnSpPr>
-          <p:cNvPr id="28" name="직선 연결선 27"/>
-          <p:cNvCxnSpPr/>
-          <p:nvPr/>
-        </p:nvCxnSpPr>
-        <p:spPr>
-          <a:xfrm>
-            <a:off x="0" y="2970100"/>
-            <a:ext cx="9144000" cy="0"/>
-          </a:xfrm>
-          <a:prstGeom prst="line">
-            <a:avLst/>
-          </a:prstGeom>
-          <a:ln w="53975">
-            <a:solidFill>
-              <a:schemeClr val="bg2">
-                <a:lumMod val="75000"/>
-              </a:schemeClr>
-            </a:solidFill>
-          </a:ln>
-        </p:spPr>
-        <p:style>
-          <a:lnRef idx="1">
-            <a:schemeClr val="accent1"/>
-          </a:lnRef>
-          <a:fillRef idx="0">
-            <a:schemeClr val="accent1"/>
-          </a:fillRef>
-          <a:effectRef idx="0">
-            <a:schemeClr val="accent1"/>
-          </a:effectRef>
-          <a:fontRef idx="minor">
-            <a:schemeClr val="tx1"/>
-          </a:fontRef>
-        </p:style>
-      </p:cxnSp>
-    </p:spTree>
-    <p:extLst>
-      <p:ext uri="{BB962C8B-B14F-4D97-AF65-F5344CB8AC3E}">
-        <p14:creationId xmlns:p14="http://schemas.microsoft.com/office/powerpoint/2010/main" val="3654725425"/>
-      </p:ext>
-    </p:extLst>
-  </p:cSld>
-  <p:clrMapOvr>
-    <a:masterClrMapping/>
-  </p:clrMapOvr>
-  <p:timing>
-    <p:tnLst>
-      <p:par>
-        <p:cTn id="1" dur="indefinite" restart="never" nodeType="tmRoot"/>
-      </p:par>
-    </p:tnLst>
-  </p:timing>
-</p:sld>
-</file>
-
-<file path=ppt/slides/slide4.xml><?xml version="1.0" encoding="utf-8"?>
-<p:sld xmlns:a="http://schemas.openxmlformats.org/drawingml/2006/main" xmlns:r="http://schemas.openxmlformats.org/officeDocument/2006/relationships" xmlns:p="http://schemas.openxmlformats.org/presentationml/2006/main">
-  <p:cSld>
-    <p:spTree>
-      <p:nvGrpSpPr>
-        <p:cNvPr id="1" name=""/>
-        <p:cNvGrpSpPr/>
-        <p:nvPr/>
-      </p:nvGrpSpPr>
-      <p:grpSpPr>
-        <a:xfrm>
-          <a:off x="0" y="0"/>
-          <a:ext cx="0" cy="0"/>
-          <a:chOff x="0" y="0"/>
-          <a:chExt cx="0" cy="0"/>
-        </a:xfrm>
-      </p:grpSpPr>
-      <p:pic>
-        <p:nvPicPr>
-          <p:cNvPr id="3074" name="Picture 2" descr="ìí ì¬ë ì´í¸ í-íë¦¿ì ëí ì´ë¯¸ì§ ê²ìê²°ê³¼"/>
-          <p:cNvPicPr>
-            <a:picLocks noChangeAspect="1" noChangeArrowheads="1"/>
-          </p:cNvPicPr>
-          <p:nvPr/>
-        </p:nvPicPr>
-        <p:blipFill rotWithShape="1">
-          <a:blip r:embed="rId2">
-            <a:extLst>
-              <a:ext uri="{BEBA8EAE-BF5A-486C-A8C5-ECC9F3942E4B}">
-                <a14:imgProps xmlns:a14="http://schemas.microsoft.com/office/drawing/2010/main">
-                  <a14:imgLayer r:embed="rId3">
-                    <a14:imgEffect>
-                      <a14:backgroundRemoval t="1333" b="11995" l="1964" r="17672"/>
-                    </a14:imgEffect>
-                  </a14:imgLayer>
-                </a14:imgProps>
-              </a:ext>
-              <a:ext uri="{28A0092B-C50C-407E-A947-70E740481C1C}">
-                <a14:useLocalDpi xmlns:a14="http://schemas.microsoft.com/office/drawing/2010/main" val="0"/>
-              </a:ext>
-            </a:extLst>
-          </a:blip>
-          <a:srcRect l="11568" t="6664" r="80365" b="86672"/>
-          <a:stretch/>
-        </p:blipFill>
-        <p:spPr bwMode="auto">
-          <a:xfrm>
-            <a:off x="2585156" y="1074481"/>
-            <a:ext cx="598311" cy="381786"/>
-          </a:xfrm>
-          <a:prstGeom prst="rect">
-            <a:avLst/>
-          </a:prstGeom>
-          <a:noFill/>
-          <a:extLst>
-            <a:ext uri="{909E8E84-426E-40DD-AFC4-6F175D3DCCD1}">
-              <a14:hiddenFill xmlns:a14="http://schemas.microsoft.com/office/drawing/2010/main">
-                <a:solidFill>
-                  <a:srgbClr val="FFFFFF"/>
-                </a:solidFill>
-              </a14:hiddenFill>
-            </a:ext>
-          </a:extLst>
-        </p:spPr>
-      </p:pic>
-      <p:pic>
-        <p:nvPicPr>
-          <p:cNvPr id="3076" name="Picture 4" descr="ìí ì¬ë ì´í¸ í-íë¦¿ì ëí ì´ë¯¸ì§ ê²ìê²°ê³¼"/>
-          <p:cNvPicPr>
-            <a:picLocks noChangeAspect="1" noChangeArrowheads="1"/>
-          </p:cNvPicPr>
-          <p:nvPr/>
-        </p:nvPicPr>
-        <p:blipFill rotWithShape="1">
-          <a:blip r:embed="rId4">
-            <a:extLst>
-              <a:ext uri="{BEBA8EAE-BF5A-486C-A8C5-ECC9F3942E4B}">
-                <a14:imgProps xmlns:a14="http://schemas.microsoft.com/office/drawing/2010/main">
-                  <a14:imgLayer r:embed="rId3">
-                    <a14:imgEffect>
-                      <a14:backgroundRemoval t="10000" b="90000" l="10000" r="90000">
-                        <a14:foregroundMark x1="19238" y1="48799" x2="19922" y2="50190"/>
-                        <a14:foregroundMark x1="16699" y1="47408" x2="16895" y2="48925"/>
-                        <a14:foregroundMark x1="16016" y1="33502" x2="12988" y2="45765"/>
-                        <a14:foregroundMark x1="19141" y1="52465" x2="20996" y2="51201"/>
-                        <a14:foregroundMark x1="21289" y1="51833" x2="21973" y2="50442"/>
-                      </a14:backgroundRemoval>
-                    </a14:imgEffect>
-                  </a14:imgLayer>
-                </a14:imgProps>
-              </a:ext>
-              <a:ext uri="{28A0092B-C50C-407E-A947-70E740481C1C}">
-                <a14:useLocalDpi xmlns:a14="http://schemas.microsoft.com/office/drawing/2010/main" val="0"/>
-              </a:ext>
-            </a:extLst>
-          </a:blip>
-          <a:srcRect l="9854" t="28666" r="75794" b="43764"/>
-          <a:stretch/>
-        </p:blipFill>
-        <p:spPr bwMode="auto">
-          <a:xfrm>
-            <a:off x="372533" y="1772356"/>
-            <a:ext cx="1399823" cy="2077155"/>
-          </a:xfrm>
-          <a:prstGeom prst="rect">
-            <a:avLst/>
-          </a:prstGeom>
-          <a:noFill/>
-          <a:extLst>
-            <a:ext uri="{909E8E84-426E-40DD-AFC4-6F175D3DCCD1}">
-              <a14:hiddenFill xmlns:a14="http://schemas.microsoft.com/office/drawing/2010/main">
-                <a:solidFill>
-                  <a:srgbClr val="FFFFFF"/>
-                </a:solidFill>
-              </a14:hiddenFill>
-            </a:ext>
-          </a:extLst>
-        </p:spPr>
-      </p:pic>
-    </p:spTree>
-    <p:extLst>
-      <p:ext uri="{BB962C8B-B14F-4D97-AF65-F5344CB8AC3E}">
-        <p14:creationId xmlns:p14="http://schemas.microsoft.com/office/powerpoint/2010/main" val="3902672908"/>
-      </p:ext>
-    </p:extLst>
-  </p:cSld>
-  <p:clrMapOvr>
-    <a:masterClrMapping/>
-  </p:clrMapOvr>
-  <p:timing>
-    <p:tnLst>
-      <p:par>
-        <p:cTn id="1" dur="indefinite" restart="never" nodeType="tmRoot"/>
-      </p:par>
-    </p:tnLst>
-  </p:timing>
-</p:sld>
-</file>
-
-<file path=ppt/slides/slide5.xml><?xml version="1.0" encoding="utf-8"?>
-<p:sld xmlns:a="http://schemas.openxmlformats.org/drawingml/2006/main" xmlns:r="http://schemas.openxmlformats.org/officeDocument/2006/relationships" xmlns:p="http://schemas.openxmlformats.org/presentationml/2006/main">
-  <p:cSld>
-    <p:spTree>
-      <p:nvGrpSpPr>
-        <p:cNvPr id="1" name=""/>
-        <p:cNvGrpSpPr/>
-        <p:nvPr/>
-      </p:nvGrpSpPr>
-      <p:grpSpPr>
-        <a:xfrm>
-          <a:off x="0" y="0"/>
-          <a:ext cx="0" cy="0"/>
-          <a:chOff x="0" y="0"/>
-          <a:chExt cx="0" cy="0"/>
-        </a:xfrm>
-      </p:grpSpPr>
-      <p:pic>
-        <p:nvPicPr>
-          <p:cNvPr id="4098" name="Picture 2" descr="ìí ì¬ë ì´í¸ í-íë¦¿ì ëí ì´ë¯¸ì§ ê²ìê²°ê³¼"/>
-          <p:cNvPicPr>
-            <a:picLocks noChangeAspect="1" noChangeArrowheads="1"/>
-          </p:cNvPicPr>
-          <p:nvPr/>
-        </p:nvPicPr>
-        <p:blipFill>
-          <a:blip r:embed="rId2">
-            <a:extLst>
-              <a:ext uri="{28A0092B-C50C-407E-A947-70E740481C1C}">
-                <a14:useLocalDpi xmlns:a14="http://schemas.microsoft.com/office/drawing/2010/main" val="0"/>
-              </a:ext>
-            </a:extLst>
-          </a:blip>
-          <a:srcRect/>
-          <a:stretch>
-            <a:fillRect/>
-          </a:stretch>
-        </p:blipFill>
-        <p:spPr bwMode="auto">
-          <a:xfrm>
-            <a:off x="1871700" y="476672"/>
-            <a:ext cx="5832648" cy="4505493"/>
-          </a:xfrm>
-          <a:prstGeom prst="rect">
-            <a:avLst/>
-          </a:prstGeom>
-          <a:noFill/>
-          <a:extLst>
-            <a:ext uri="{909E8E84-426E-40DD-AFC4-6F175D3DCCD1}">
-              <a14:hiddenFill xmlns:a14="http://schemas.microsoft.com/office/drawing/2010/main">
-                <a:solidFill>
-                  <a:srgbClr val="FFFFFF"/>
-                </a:solidFill>
-              </a14:hiddenFill>
-            </a:ext>
-          </a:extLst>
-        </p:spPr>
-      </p:pic>
-    </p:spTree>
-    <p:extLst>
-      <p:ext uri="{BB962C8B-B14F-4D97-AF65-F5344CB8AC3E}">
-        <p14:creationId xmlns:p14="http://schemas.microsoft.com/office/powerpoint/2010/main" val="2800938914"/>
-      </p:ext>
-    </p:extLst>
-  </p:cSld>
-  <p:clrMapOvr>
-    <a:masterClrMapping/>
-  </p:clrMapOvr>
-  <p:timing>
-    <p:tnLst>
-      <p:par>
-        <p:cTn id="1" dur="indefinite" restart="never" nodeType="tmRoot"/>
-      </p:par>
-    </p:tnLst>
-  </p:timing>
-</p:sld>
-</file>
-
-<file path=ppt/slides/slide6.xml><?xml version="1.0" encoding="utf-8"?>
-<p:sld xmlns:a="http://schemas.openxmlformats.org/drawingml/2006/main" xmlns:r="http://schemas.openxmlformats.org/officeDocument/2006/relationships" xmlns:p="http://schemas.openxmlformats.org/presentationml/2006/main">
-  <p:cSld>
-    <p:spTree>
-      <p:nvGrpSpPr>
-        <p:cNvPr id="1" name=""/>
-        <p:cNvGrpSpPr/>
-        <p:nvPr/>
-      </p:nvGrpSpPr>
-      <p:grpSpPr>
-        <a:xfrm>
-          <a:off x="0" y="0"/>
-          <a:ext cx="0" cy="0"/>
-          <a:chOff x="0" y="0"/>
-          <a:chExt cx="0" cy="0"/>
-        </a:xfrm>
-      </p:grpSpPr>
       <p:pic>
         <p:nvPicPr>
           <p:cNvPr id="1026" name="Picture 2"/>
@@ -5079,524 +3159,91 @@
           </a:extLst>
         </p:spPr>
       </p:pic>
-      <p:sp>
-        <p:nvSpPr>
-          <p:cNvPr id="3" name="TextBox 2"/>
-          <p:cNvSpPr txBox="1"/>
+      <p:pic>
+        <p:nvPicPr>
+          <p:cNvPr id="6" name="Picture 2"/>
+          <p:cNvPicPr>
+            <a:picLocks noChangeAspect="1" noChangeArrowheads="1"/>
+          </p:cNvPicPr>
           <p:nvPr/>
-        </p:nvSpPr>
-        <p:spPr>
+        </p:nvPicPr>
+        <p:blipFill>
+          <a:blip r:embed="rId3">
+            <a:extLst>
+              <a:ext uri="{28A0092B-C50C-407E-A947-70E740481C1C}">
+                <a14:useLocalDpi xmlns:a14="http://schemas.microsoft.com/office/drawing/2010/main" val="0"/>
+              </a:ext>
+            </a:extLst>
+          </a:blip>
+          <a:srcRect/>
+          <a:stretch>
+            <a:fillRect/>
+          </a:stretch>
+        </p:blipFill>
+        <p:spPr bwMode="auto">
           <a:xfrm>
-            <a:off x="179512" y="4437112"/>
-            <a:ext cx="3062265" cy="1754326"/>
+            <a:off x="3605009" y="3077558"/>
+            <a:ext cx="5240310" cy="3493540"/>
           </a:xfrm>
           <a:prstGeom prst="rect">
             <a:avLst/>
           </a:prstGeom>
           <a:noFill/>
+          <a:ln>
+            <a:noFill/>
+          </a:ln>
+          <a:effectLst/>
+          <a:extLst>
+            <a:ext uri="{909E8E84-426E-40DD-AFC4-6F175D3DCCD1}">
+              <a14:hiddenFill xmlns:a14="http://schemas.microsoft.com/office/drawing/2010/main">
+                <a:solidFill>
+                  <a:schemeClr val="accent1"/>
+                </a:solidFill>
+              </a14:hiddenFill>
+            </a:ext>
+            <a:ext uri="{91240B29-F687-4F45-9708-019B960494DF}">
+              <a14:hiddenLine xmlns:a14="http://schemas.microsoft.com/office/drawing/2010/main" w="9525">
+                <a:solidFill>
+                  <a:schemeClr val="tx1"/>
+                </a:solidFill>
+                <a:miter lim="800000"/>
+                <a:headEnd/>
+                <a:tailEnd/>
+              </a14:hiddenLine>
+            </a:ext>
+            <a:ext uri="{AF507438-7753-43E0-B8FC-AC1667EBCBE1}">
+              <a14:hiddenEffects xmlns:a14="http://schemas.microsoft.com/office/drawing/2010/main">
+                <a:effectLst>
+                  <a:outerShdw dist="35921" dir="2700000" algn="ctr" rotWithShape="0">
+                    <a:schemeClr val="bg2"/>
+                  </a:outerShdw>
+                </a:effectLst>
+              </a14:hiddenEffects>
+            </a:ext>
+          </a:extLst>
         </p:spPr>
-        <p:txBody>
-          <a:bodyPr wrap="square" rtlCol="0">
-            <a:spAutoFit/>
-          </a:bodyPr>
-          <a:lstStyle/>
-          <a:p>
-            <a:r>
-              <a:rPr lang="ko-KR" altLang="en-US" dirty="0" smtClean="0">
-                <a:solidFill>
-                  <a:schemeClr val="bg1"/>
-                </a:solidFill>
-                <a:latin typeface="나눔스퀘어OTF Light" pitchFamily="34" charset="-127"/>
-                <a:ea typeface="나눔스퀘어OTF Light" pitchFamily="34" charset="-127"/>
-              </a:rPr>
-              <a:t>영화 기본 정보</a:t>
-            </a:r>
-            <a:endParaRPr lang="en-US" altLang="ko-KR" dirty="0" smtClean="0">
-              <a:solidFill>
-                <a:schemeClr val="bg1"/>
-              </a:solidFill>
-              <a:latin typeface="나눔스퀘어OTF Light" pitchFamily="34" charset="-127"/>
-              <a:ea typeface="나눔스퀘어OTF Light" pitchFamily="34" charset="-127"/>
-            </a:endParaRPr>
-          </a:p>
-          <a:p>
-            <a:r>
-              <a:rPr lang="ko-KR" altLang="en-US" dirty="0" smtClean="0">
-                <a:solidFill>
-                  <a:schemeClr val="bg1"/>
-                </a:solidFill>
-                <a:latin typeface="나눔스퀘어OTF Light" pitchFamily="34" charset="-127"/>
-                <a:ea typeface="나눔스퀘어OTF Light" pitchFamily="34" charset="-127"/>
-              </a:rPr>
-              <a:t>영화 매출 정보</a:t>
-            </a:r>
-            <a:r>
-              <a:rPr lang="ko-KR" altLang="en-US" dirty="0" smtClean="0">
-                <a:solidFill>
-                  <a:schemeClr val="bg1"/>
-                </a:solidFill>
-                <a:latin typeface="나눔스퀘어OTF Light" pitchFamily="34" charset="-127"/>
-                <a:ea typeface="나눔스퀘어OTF Light" pitchFamily="34" charset="-127"/>
-              </a:rPr>
-              <a:t> </a:t>
-            </a:r>
-            <a:endParaRPr lang="en-US" altLang="ko-KR" dirty="0" smtClean="0">
-              <a:solidFill>
-                <a:schemeClr val="bg1"/>
-              </a:solidFill>
-              <a:latin typeface="나눔스퀘어OTF Light" pitchFamily="34" charset="-127"/>
-              <a:ea typeface="나눔스퀘어OTF Light" pitchFamily="34" charset="-127"/>
-            </a:endParaRPr>
-          </a:p>
-          <a:p>
-            <a:r>
-              <a:rPr lang="ko-KR" altLang="en-US" dirty="0" smtClean="0">
-                <a:solidFill>
-                  <a:schemeClr val="bg1"/>
-                </a:solidFill>
-                <a:latin typeface="나눔스퀘어OTF Light" pitchFamily="34" charset="-127"/>
-                <a:ea typeface="나눔스퀘어OTF Light" pitchFamily="34" charset="-127"/>
-              </a:rPr>
-              <a:t>영화 관객 수에 따른 관람 순위</a:t>
-            </a:r>
-            <a:endParaRPr lang="en-US" altLang="ko-KR" dirty="0" smtClean="0">
-              <a:solidFill>
-                <a:schemeClr val="bg1"/>
-              </a:solidFill>
-              <a:latin typeface="나눔스퀘어OTF Light" pitchFamily="34" charset="-127"/>
-              <a:ea typeface="나눔스퀘어OTF Light" pitchFamily="34" charset="-127"/>
-            </a:endParaRPr>
-          </a:p>
-          <a:p>
-            <a:endParaRPr lang="en-US" altLang="ko-KR" dirty="0">
-              <a:solidFill>
-                <a:schemeClr val="bg1"/>
-              </a:solidFill>
-              <a:latin typeface="나눔스퀘어OTF Light" pitchFamily="34" charset="-127"/>
-              <a:ea typeface="나눔스퀘어OTF Light" pitchFamily="34" charset="-127"/>
-            </a:endParaRPr>
-          </a:p>
-          <a:p>
-            <a:r>
-              <a:rPr lang="en-US" altLang="ko-KR" dirty="0" smtClean="0">
-                <a:solidFill>
-                  <a:schemeClr val="bg1"/>
-                </a:solidFill>
-                <a:latin typeface="나눔스퀘어OTF Light" pitchFamily="34" charset="-127"/>
-                <a:ea typeface="나눔스퀘어OTF Light" pitchFamily="34" charset="-127"/>
-              </a:rPr>
-              <a:t>IPTV </a:t>
-            </a:r>
-            <a:r>
-              <a:rPr lang="ko-KR" altLang="en-US" dirty="0" smtClean="0">
-                <a:solidFill>
-                  <a:schemeClr val="bg1"/>
-                </a:solidFill>
-                <a:latin typeface="나눔스퀘어OTF Light" pitchFamily="34" charset="-127"/>
-                <a:ea typeface="나눔스퀘어OTF Light" pitchFamily="34" charset="-127"/>
-              </a:rPr>
-              <a:t>월별 시청 횟수에 따른 시청 순위 </a:t>
-            </a:r>
-            <a:r>
-              <a:rPr lang="en-US" altLang="ko-KR" dirty="0" smtClean="0">
-                <a:solidFill>
-                  <a:schemeClr val="bg1"/>
-                </a:solidFill>
-                <a:latin typeface="나눔스퀘어OTF Light" pitchFamily="34" charset="-127"/>
-                <a:ea typeface="나눔스퀘어OTF Light" pitchFamily="34" charset="-127"/>
-              </a:rPr>
-              <a:t>(TOP 100)</a:t>
-            </a:r>
-            <a:endParaRPr lang="ko-KR" altLang="en-US" dirty="0" smtClean="0">
-              <a:solidFill>
-                <a:schemeClr val="bg1"/>
-              </a:solidFill>
-              <a:latin typeface="나눔스퀘어OTF Light" pitchFamily="34" charset="-127"/>
-              <a:ea typeface="나눔스퀘어OTF Light" pitchFamily="34" charset="-127"/>
-            </a:endParaRPr>
-          </a:p>
-        </p:txBody>
-      </p:sp>
-      <p:sp>
-        <p:nvSpPr>
-          <p:cNvPr id="4" name="TextBox 3"/>
-          <p:cNvSpPr txBox="1"/>
+      </p:pic>
+      <p:sp>
+        <p:nvSpPr>
+          <p:cNvPr id="9" name="직사각형 8"/>
+          <p:cNvSpPr/>
           <p:nvPr/>
         </p:nvSpPr>
         <p:spPr>
           <a:xfrm>
-            <a:off x="6329750" y="3578239"/>
-            <a:ext cx="2808312" cy="3139321"/>
+            <a:off x="3021698" y="2035453"/>
+            <a:ext cx="6122302" cy="4565089"/>
           </a:xfrm>
           <a:prstGeom prst="rect">
             <a:avLst/>
           </a:prstGeom>
-          <a:noFill/>
-        </p:spPr>
-        <p:txBody>
-          <a:bodyPr wrap="square" rtlCol="0">
-            <a:spAutoFit/>
-          </a:bodyPr>
-          <a:lstStyle/>
-          <a:p>
-            <a:r>
-              <a:rPr lang="ko-KR" altLang="en-US" dirty="0" smtClean="0">
-                <a:solidFill>
-                  <a:schemeClr val="bg1"/>
-                </a:solidFill>
-                <a:latin typeface="나눔스퀘어OTF Light" pitchFamily="34" charset="-127"/>
-                <a:ea typeface="나눔스퀘어OTF Light" pitchFamily="34" charset="-127"/>
-              </a:rPr>
-              <a:t>데이터 처리 과정</a:t>
-            </a:r>
-            <a:endParaRPr lang="en-US" altLang="ko-KR" dirty="0" smtClean="0">
-              <a:solidFill>
-                <a:schemeClr val="bg1"/>
-              </a:solidFill>
-              <a:latin typeface="나눔스퀘어OTF Light" pitchFamily="34" charset="-127"/>
-              <a:ea typeface="나눔스퀘어OTF Light" pitchFamily="34" charset="-127"/>
-            </a:endParaRPr>
-          </a:p>
-          <a:p>
-            <a:r>
-              <a:rPr lang="en-US" altLang="ko-KR" dirty="0" smtClean="0">
-                <a:solidFill>
-                  <a:schemeClr val="bg1"/>
-                </a:solidFill>
-                <a:latin typeface="나눔스퀘어OTF Light" pitchFamily="34" charset="-127"/>
-                <a:ea typeface="나눔스퀘어OTF Light" pitchFamily="34" charset="-127"/>
-              </a:rPr>
-              <a:t>-</a:t>
-            </a:r>
-            <a:r>
-              <a:rPr lang="ko-KR" altLang="en-US" dirty="0" err="1" smtClean="0">
-                <a:solidFill>
-                  <a:schemeClr val="bg1"/>
-                </a:solidFill>
-                <a:latin typeface="나눔스퀘어OTF Light" pitchFamily="34" charset="-127"/>
-                <a:ea typeface="나눔스퀘어OTF Light" pitchFamily="34" charset="-127"/>
-              </a:rPr>
-              <a:t>오라클</a:t>
-            </a:r>
-            <a:r>
-              <a:rPr lang="ko-KR" altLang="en-US" dirty="0" smtClean="0">
-                <a:solidFill>
-                  <a:schemeClr val="bg1"/>
-                </a:solidFill>
-                <a:latin typeface="나눔스퀘어OTF Light" pitchFamily="34" charset="-127"/>
-                <a:ea typeface="나눔스퀘어OTF Light" pitchFamily="34" charset="-127"/>
-              </a:rPr>
-              <a:t> </a:t>
-            </a:r>
-            <a:r>
-              <a:rPr lang="en-US" altLang="ko-KR" dirty="0" smtClean="0">
-                <a:solidFill>
-                  <a:schemeClr val="bg1"/>
-                </a:solidFill>
-                <a:latin typeface="나눔스퀘어OTF Light" pitchFamily="34" charset="-127"/>
-                <a:ea typeface="나눔스퀘어OTF Light" pitchFamily="34" charset="-127"/>
-              </a:rPr>
-              <a:t>/ </a:t>
-            </a:r>
-            <a:r>
-              <a:rPr lang="en-US" altLang="ko-KR" dirty="0" err="1" smtClean="0">
-                <a:solidFill>
-                  <a:schemeClr val="bg1"/>
-                </a:solidFill>
-                <a:latin typeface="나눔스퀘어OTF Light" pitchFamily="34" charset="-127"/>
-                <a:ea typeface="나눔스퀘어OTF Light" pitchFamily="34" charset="-127"/>
-              </a:rPr>
-              <a:t>Mysql</a:t>
-            </a:r>
-            <a:r>
-              <a:rPr lang="en-US" altLang="ko-KR" dirty="0" smtClean="0">
-                <a:solidFill>
-                  <a:schemeClr val="bg1"/>
-                </a:solidFill>
-                <a:latin typeface="나눔스퀘어OTF Light" pitchFamily="34" charset="-127"/>
-                <a:ea typeface="나눔스퀘어OTF Light" pitchFamily="34" charset="-127"/>
-              </a:rPr>
-              <a:t> / </a:t>
-            </a:r>
-            <a:r>
-              <a:rPr lang="ko-KR" altLang="en-US" dirty="0" err="1" smtClean="0">
-                <a:solidFill>
-                  <a:schemeClr val="bg1"/>
-                </a:solidFill>
-                <a:latin typeface="나눔스퀘어OTF Light" pitchFamily="34" charset="-127"/>
-                <a:ea typeface="나눔스퀘어OTF Light" pitchFamily="34" charset="-127"/>
-              </a:rPr>
-              <a:t>하둡</a:t>
-            </a:r>
-            <a:endParaRPr lang="en-US" altLang="ko-KR" dirty="0" smtClean="0">
-              <a:solidFill>
-                <a:schemeClr val="bg1"/>
-              </a:solidFill>
-              <a:latin typeface="나눔스퀘어OTF Light" pitchFamily="34" charset="-127"/>
-              <a:ea typeface="나눔스퀘어OTF Light" pitchFamily="34" charset="-127"/>
-            </a:endParaRPr>
-          </a:p>
-          <a:p>
-            <a:endParaRPr lang="en-US" altLang="ko-KR" dirty="0" smtClean="0">
-              <a:solidFill>
-                <a:schemeClr val="bg1"/>
-              </a:solidFill>
-              <a:latin typeface="나눔스퀘어OTF Light" pitchFamily="34" charset="-127"/>
-              <a:ea typeface="나눔스퀘어OTF Light" pitchFamily="34" charset="-127"/>
-            </a:endParaRPr>
-          </a:p>
-          <a:p>
-            <a:r>
-              <a:rPr lang="ko-KR" altLang="en-US" dirty="0" smtClean="0">
-                <a:solidFill>
-                  <a:schemeClr val="bg1"/>
-                </a:solidFill>
-                <a:latin typeface="나눔스퀘어OTF Light" pitchFamily="34" charset="-127"/>
-                <a:ea typeface="나눔스퀘어OTF Light" pitchFamily="34" charset="-127"/>
-              </a:rPr>
-              <a:t>웹</a:t>
-            </a:r>
-            <a:endParaRPr lang="en-US" altLang="ko-KR" dirty="0">
-              <a:solidFill>
-                <a:schemeClr val="bg1"/>
-              </a:solidFill>
-              <a:latin typeface="나눔스퀘어OTF Light" pitchFamily="34" charset="-127"/>
-              <a:ea typeface="나눔스퀘어OTF Light" pitchFamily="34" charset="-127"/>
-            </a:endParaRPr>
-          </a:p>
-          <a:p>
-            <a:r>
-              <a:rPr lang="en-US" altLang="ko-KR" dirty="0" smtClean="0">
-                <a:solidFill>
-                  <a:schemeClr val="bg1"/>
-                </a:solidFill>
-                <a:latin typeface="나눔스퀘어OTF Light" pitchFamily="34" charset="-127"/>
-                <a:ea typeface="나눔스퀘어OTF Light" pitchFamily="34" charset="-127"/>
-              </a:rPr>
-              <a:t>-</a:t>
-            </a:r>
-            <a:r>
-              <a:rPr lang="ko-KR" altLang="en-US" dirty="0" smtClean="0">
-                <a:solidFill>
-                  <a:schemeClr val="bg1"/>
-                </a:solidFill>
-                <a:latin typeface="나눔스퀘어OTF Light" pitchFamily="34" charset="-127"/>
-                <a:ea typeface="나눔스퀘어OTF Light" pitchFamily="34" charset="-127"/>
-              </a:rPr>
-              <a:t>자바</a:t>
-            </a:r>
-            <a:r>
-              <a:rPr lang="en-US" altLang="ko-KR" dirty="0">
-                <a:solidFill>
-                  <a:schemeClr val="bg1"/>
-                </a:solidFill>
-                <a:latin typeface="나눔스퀘어OTF Light" pitchFamily="34" charset="-127"/>
-                <a:ea typeface="나눔스퀘어OTF Light" pitchFamily="34" charset="-127"/>
-              </a:rPr>
-              <a:t> </a:t>
-            </a:r>
-            <a:r>
-              <a:rPr lang="en-US" altLang="ko-KR" dirty="0" smtClean="0">
-                <a:solidFill>
-                  <a:schemeClr val="bg1"/>
-                </a:solidFill>
-                <a:latin typeface="나눔스퀘어OTF Light" pitchFamily="34" charset="-127"/>
-                <a:ea typeface="나눔스퀘어OTF Light" pitchFamily="34" charset="-127"/>
-              </a:rPr>
-              <a:t>/ </a:t>
-            </a:r>
-            <a:r>
-              <a:rPr lang="en-US" altLang="ko-KR" dirty="0" err="1" smtClean="0">
-                <a:solidFill>
-                  <a:schemeClr val="bg1"/>
-                </a:solidFill>
-                <a:latin typeface="나눔스퀘어OTF Light" pitchFamily="34" charset="-127"/>
-                <a:ea typeface="나눔스퀘어OTF Light" pitchFamily="34" charset="-127"/>
-              </a:rPr>
-              <a:t>js</a:t>
-            </a:r>
-            <a:r>
-              <a:rPr lang="en-US" altLang="ko-KR" dirty="0" smtClean="0">
-                <a:solidFill>
-                  <a:schemeClr val="bg1"/>
-                </a:solidFill>
-                <a:latin typeface="나눔스퀘어OTF Light" pitchFamily="34" charset="-127"/>
-                <a:ea typeface="나눔스퀘어OTF Light" pitchFamily="34" charset="-127"/>
-              </a:rPr>
-              <a:t> / </a:t>
-            </a:r>
-            <a:r>
-              <a:rPr lang="ko-KR" altLang="en-US" dirty="0" err="1" smtClean="0">
-                <a:solidFill>
-                  <a:schemeClr val="bg1"/>
-                </a:solidFill>
-                <a:latin typeface="나눔스퀘어OTF Light" pitchFamily="34" charset="-127"/>
-                <a:ea typeface="나눔스퀘어OTF Light" pitchFamily="34" charset="-127"/>
-              </a:rPr>
-              <a:t>파이썬</a:t>
-            </a:r>
-            <a:r>
-              <a:rPr lang="ko-KR" altLang="en-US" dirty="0" smtClean="0">
-                <a:solidFill>
-                  <a:schemeClr val="bg1"/>
-                </a:solidFill>
-                <a:latin typeface="나눔스퀘어OTF Light" pitchFamily="34" charset="-127"/>
-                <a:ea typeface="나눔스퀘어OTF Light" pitchFamily="34" charset="-127"/>
-              </a:rPr>
-              <a:t> </a:t>
-            </a:r>
-            <a:r>
-              <a:rPr lang="en-US" altLang="ko-KR" dirty="0" smtClean="0">
-                <a:solidFill>
-                  <a:schemeClr val="bg1"/>
-                </a:solidFill>
-                <a:latin typeface="나눔스퀘어OTF Light" pitchFamily="34" charset="-127"/>
-                <a:ea typeface="나눔스퀘어OTF Light" pitchFamily="34" charset="-127"/>
-              </a:rPr>
-              <a:t>/ R</a:t>
-            </a:r>
-          </a:p>
-          <a:p>
-            <a:endParaRPr lang="en-US" altLang="ko-KR" dirty="0">
-              <a:solidFill>
-                <a:schemeClr val="bg1"/>
-              </a:solidFill>
-              <a:latin typeface="나눔스퀘어OTF Light" pitchFamily="34" charset="-127"/>
-              <a:ea typeface="나눔스퀘어OTF Light" pitchFamily="34" charset="-127"/>
-            </a:endParaRPr>
-          </a:p>
-          <a:p>
-            <a:r>
-              <a:rPr lang="ko-KR" altLang="en-US" dirty="0" smtClean="0">
-                <a:solidFill>
-                  <a:schemeClr val="bg1"/>
-                </a:solidFill>
-                <a:latin typeface="나눔스퀘어OTF Light" pitchFamily="34" charset="-127"/>
-                <a:ea typeface="나눔스퀘어OTF Light" pitchFamily="34" charset="-127"/>
-              </a:rPr>
-              <a:t>시각화</a:t>
-            </a:r>
-            <a:endParaRPr lang="en-US" altLang="ko-KR" dirty="0" smtClean="0">
-              <a:solidFill>
-                <a:schemeClr val="bg1"/>
-              </a:solidFill>
-              <a:latin typeface="나눔스퀘어OTF Light" pitchFamily="34" charset="-127"/>
-              <a:ea typeface="나눔스퀘어OTF Light" pitchFamily="34" charset="-127"/>
-            </a:endParaRPr>
-          </a:p>
-          <a:p>
-            <a:r>
-              <a:rPr lang="en-US" altLang="ko-KR" dirty="0" smtClean="0">
-                <a:solidFill>
-                  <a:schemeClr val="bg1"/>
-                </a:solidFill>
-                <a:latin typeface="나눔스퀘어OTF Light" pitchFamily="34" charset="-127"/>
-                <a:ea typeface="나눔스퀘어OTF Light" pitchFamily="34" charset="-127"/>
-              </a:rPr>
-              <a:t>-</a:t>
-            </a:r>
-            <a:r>
-              <a:rPr lang="ko-KR" altLang="en-US" dirty="0" err="1" smtClean="0">
-                <a:solidFill>
-                  <a:schemeClr val="bg1"/>
-                </a:solidFill>
-                <a:latin typeface="나눔스퀘어OTF Light" pitchFamily="34" charset="-127"/>
-                <a:ea typeface="나눔스퀘어OTF Light" pitchFamily="34" charset="-127"/>
-              </a:rPr>
-              <a:t>구글차트</a:t>
-            </a:r>
-            <a:r>
-              <a:rPr lang="ko-KR" altLang="en-US" dirty="0" smtClean="0">
-                <a:solidFill>
-                  <a:schemeClr val="bg1"/>
-                </a:solidFill>
-                <a:latin typeface="나눔스퀘어OTF Light" pitchFamily="34" charset="-127"/>
-                <a:ea typeface="나눔스퀘어OTF Light" pitchFamily="34" charset="-127"/>
-              </a:rPr>
-              <a:t> </a:t>
-            </a:r>
-            <a:r>
-              <a:rPr lang="en-US" altLang="ko-KR" dirty="0" smtClean="0">
-                <a:solidFill>
-                  <a:schemeClr val="bg1"/>
-                </a:solidFill>
-                <a:latin typeface="나눔스퀘어OTF Light" pitchFamily="34" charset="-127"/>
-                <a:ea typeface="나눔스퀘어OTF Light" pitchFamily="34" charset="-127"/>
-              </a:rPr>
-              <a:t>/ d3 / </a:t>
-            </a:r>
-            <a:r>
-              <a:rPr lang="ko-KR" altLang="en-US" dirty="0" err="1" smtClean="0">
-                <a:solidFill>
-                  <a:schemeClr val="bg1"/>
-                </a:solidFill>
-                <a:latin typeface="나눔스퀘어OTF Light" pitchFamily="34" charset="-127"/>
-                <a:ea typeface="나눔스퀘어OTF Light" pitchFamily="34" charset="-127"/>
-              </a:rPr>
-              <a:t>비주얼리티</a:t>
-            </a:r>
-            <a:r>
-              <a:rPr lang="ko-KR" altLang="en-US" dirty="0" smtClean="0">
-                <a:solidFill>
-                  <a:schemeClr val="bg1"/>
-                </a:solidFill>
-                <a:latin typeface="나눔스퀘어OTF Light" pitchFamily="34" charset="-127"/>
-                <a:ea typeface="나눔스퀘어OTF Light" pitchFamily="34" charset="-127"/>
-              </a:rPr>
-              <a:t> </a:t>
-            </a:r>
-            <a:r>
-              <a:rPr lang="en-US" altLang="ko-KR" dirty="0" smtClean="0">
-                <a:solidFill>
-                  <a:schemeClr val="bg1"/>
-                </a:solidFill>
-                <a:latin typeface="나눔스퀘어OTF Light" pitchFamily="34" charset="-127"/>
-                <a:ea typeface="나눔스퀘어OTF Light" pitchFamily="34" charset="-127"/>
-              </a:rPr>
-              <a:t>x</a:t>
-            </a:r>
-          </a:p>
-          <a:p>
-            <a:endParaRPr lang="en-US" altLang="ko-KR" dirty="0">
-              <a:solidFill>
-                <a:schemeClr val="bg1"/>
-              </a:solidFill>
-              <a:latin typeface="나눔스퀘어OTF Light" pitchFamily="34" charset="-127"/>
-              <a:ea typeface="나눔스퀘어OTF Light" pitchFamily="34" charset="-127"/>
-            </a:endParaRPr>
-          </a:p>
-          <a:p>
-            <a:endParaRPr lang="ko-KR" altLang="en-US" dirty="0" smtClean="0">
-              <a:solidFill>
-                <a:schemeClr val="bg1"/>
-              </a:solidFill>
-              <a:latin typeface="나눔스퀘어OTF Light" pitchFamily="34" charset="-127"/>
-              <a:ea typeface="나눔스퀘어OTF Light" pitchFamily="34" charset="-127"/>
-            </a:endParaRPr>
-          </a:p>
-        </p:txBody>
-      </p:sp>
-      <p:sp>
-        <p:nvSpPr>
-          <p:cNvPr id="2" name="타원 1"/>
-          <p:cNvSpPr/>
-          <p:nvPr/>
-        </p:nvSpPr>
-        <p:spPr>
-          <a:xfrm>
-            <a:off x="2822636" y="1628800"/>
-            <a:ext cx="3535496" cy="3519100"/>
-          </a:xfrm>
-          <a:prstGeom prst="ellipse">
-            <a:avLst/>
-          </a:prstGeom>
-          <a:noFill/>
+          <a:solidFill>
+            <a:schemeClr val="tx1">
+              <a:alpha val="66000"/>
+            </a:schemeClr>
+          </a:solidFill>
           <a:ln>
-            <a:solidFill>
-              <a:schemeClr val="bg1">
-                <a:lumMod val="50000"/>
-              </a:schemeClr>
-            </a:solidFill>
+            <a:noFill/>
           </a:ln>
         </p:spPr>
         <p:style>
@@ -5624,52 +3271,6 @@
           </a:p>
         </p:txBody>
       </p:sp>
-      <p:sp>
-        <p:nvSpPr>
-          <p:cNvPr id="5" name="TextBox 4"/>
-          <p:cNvSpPr txBox="1"/>
-          <p:nvPr/>
-        </p:nvSpPr>
-        <p:spPr>
-          <a:xfrm>
-            <a:off x="667403" y="908720"/>
-            <a:ext cx="3869468" cy="369332"/>
-          </a:xfrm>
-          <a:prstGeom prst="rect">
-            <a:avLst/>
-          </a:prstGeom>
-          <a:noFill/>
-        </p:spPr>
-        <p:txBody>
-          <a:bodyPr wrap="square" rtlCol="0">
-            <a:spAutoFit/>
-          </a:bodyPr>
-          <a:lstStyle/>
-          <a:p>
-            <a:r>
-              <a:rPr lang="ko-KR" altLang="en-US" dirty="0" smtClean="0">
-                <a:solidFill>
-                  <a:schemeClr val="bg1"/>
-                </a:solidFill>
-              </a:rPr>
-              <a:t>대</a:t>
-            </a:r>
-            <a:r>
-              <a:rPr lang="ko-KR" altLang="en-US" dirty="0">
-                <a:solidFill>
-                  <a:schemeClr val="bg1"/>
-                </a:solidFill>
-              </a:rPr>
-              <a:t>상</a:t>
-            </a:r>
-            <a:endParaRPr lang="ko-KR" altLang="en-US" dirty="0" smtClean="0">
-              <a:solidFill>
-                <a:schemeClr val="bg1"/>
-              </a:solidFill>
-            </a:endParaRPr>
-          </a:p>
-        </p:txBody>
-      </p:sp>
       <p:cxnSp>
         <p:nvCxnSpPr>
           <p:cNvPr id="7" name="직선 연결선 6"/>
@@ -5678,7 +3279,7 @@
         </p:nvCxnSpPr>
         <p:spPr>
           <a:xfrm>
-            <a:off x="3241777" y="764704"/>
+            <a:off x="2480826" y="6884992"/>
             <a:ext cx="4536504" cy="0"/>
           </a:xfrm>
           <a:prstGeom prst="line">
@@ -5707,16 +3308,1517 @@
           </a:fontRef>
         </p:style>
       </p:cxnSp>
-      <p:sp>
-        <p:nvSpPr>
-          <p:cNvPr id="8" name="TextBox 7"/>
+      <p:grpSp>
+        <p:nvGrpSpPr>
+          <p:cNvPr id="19" name="그룹 18"/>
+          <p:cNvGrpSpPr/>
+          <p:nvPr/>
+        </p:nvGrpSpPr>
+        <p:grpSpPr>
+          <a:xfrm>
+            <a:off x="386757" y="1221581"/>
+            <a:ext cx="2634941" cy="1627744"/>
+            <a:chOff x="325453" y="727549"/>
+            <a:chExt cx="2634941" cy="1627744"/>
+          </a:xfrm>
+        </p:grpSpPr>
+        <p:sp>
+          <p:nvSpPr>
+            <p:cNvPr id="5" name="TextBox 4"/>
+            <p:cNvSpPr txBox="1"/>
+            <p:nvPr/>
+          </p:nvSpPr>
+          <p:spPr>
+            <a:xfrm>
+              <a:off x="325453" y="727549"/>
+              <a:ext cx="1798275" cy="338554"/>
+            </a:xfrm>
+            <a:prstGeom prst="rect">
+              <a:avLst/>
+            </a:prstGeom>
+            <a:noFill/>
+          </p:spPr>
+          <p:txBody>
+            <a:bodyPr wrap="square" rtlCol="0">
+              <a:spAutoFit/>
+            </a:bodyPr>
+            <a:lstStyle/>
+            <a:p>
+              <a:r>
+                <a:rPr lang="ko-KR" altLang="en-US" sz="1600" dirty="0" smtClean="0">
+                  <a:solidFill>
+                    <a:schemeClr val="bg1"/>
+                  </a:solidFill>
+                  <a:latin typeface="나눔스퀘어OTF" pitchFamily="34" charset="-127"/>
+                  <a:ea typeface="나눔스퀘어OTF" pitchFamily="34" charset="-127"/>
+                </a:rPr>
+                <a:t>예상 </a:t>
+              </a:r>
+              <a:r>
+                <a:rPr lang="en-US" altLang="ko-KR" sz="1600" dirty="0" smtClean="0">
+                  <a:solidFill>
+                    <a:schemeClr val="bg1"/>
+                  </a:solidFill>
+                  <a:latin typeface="나눔스퀘어OTF" pitchFamily="34" charset="-127"/>
+                  <a:ea typeface="나눔스퀘어OTF" pitchFamily="34" charset="-127"/>
+                </a:rPr>
+                <a:t>End User</a:t>
+              </a:r>
+              <a:endParaRPr lang="ko-KR" altLang="en-US" sz="1600" dirty="0" smtClean="0">
+                <a:solidFill>
+                  <a:schemeClr val="bg1"/>
+                </a:solidFill>
+                <a:latin typeface="나눔스퀘어OTF" pitchFamily="34" charset="-127"/>
+                <a:ea typeface="나눔스퀘어OTF" pitchFamily="34" charset="-127"/>
+              </a:endParaRPr>
+            </a:p>
+          </p:txBody>
+        </p:sp>
+        <p:sp>
+          <p:nvSpPr>
+            <p:cNvPr id="10" name="직사각형 9"/>
+            <p:cNvSpPr/>
+            <p:nvPr/>
+          </p:nvSpPr>
+          <p:spPr>
+            <a:xfrm>
+              <a:off x="467544" y="1183099"/>
+              <a:ext cx="360040" cy="45719"/>
+            </a:xfrm>
+            <a:prstGeom prst="rect">
+              <a:avLst/>
+            </a:prstGeom>
+            <a:solidFill>
+              <a:schemeClr val="bg1">
+                <a:lumMod val="85000"/>
+              </a:schemeClr>
+            </a:solidFill>
+            <a:ln>
+              <a:noFill/>
+            </a:ln>
+          </p:spPr>
+          <p:style>
+            <a:lnRef idx="2">
+              <a:schemeClr val="accent1">
+                <a:shade val="50000"/>
+              </a:schemeClr>
+            </a:lnRef>
+            <a:fillRef idx="1">
+              <a:schemeClr val="accent1"/>
+            </a:fillRef>
+            <a:effectRef idx="0">
+              <a:schemeClr val="accent1"/>
+            </a:effectRef>
+            <a:fontRef idx="minor">
+              <a:schemeClr val="lt1"/>
+            </a:fontRef>
+          </p:style>
+          <p:txBody>
+            <a:bodyPr rtlCol="0" anchor="ctr"/>
+            <a:lstStyle/>
+            <a:p>
+              <a:pPr algn="ctr"/>
+              <a:endParaRPr lang="ko-KR" altLang="en-US" sz="1600">
+                <a:latin typeface="나눔스퀘어OTF Light" pitchFamily="34" charset="-127"/>
+                <a:ea typeface="나눔스퀘어OTF Light" pitchFamily="34" charset="-127"/>
+              </a:endParaRPr>
+            </a:p>
+          </p:txBody>
+        </p:sp>
+        <p:sp>
+          <p:nvSpPr>
+            <p:cNvPr id="11" name="TextBox 10"/>
+            <p:cNvSpPr txBox="1"/>
+            <p:nvPr/>
+          </p:nvSpPr>
+          <p:spPr>
+            <a:xfrm>
+              <a:off x="368106" y="1401186"/>
+              <a:ext cx="2592288" cy="954107"/>
+            </a:xfrm>
+            <a:prstGeom prst="rect">
+              <a:avLst/>
+            </a:prstGeom>
+            <a:noFill/>
+          </p:spPr>
+          <p:txBody>
+            <a:bodyPr wrap="square" rtlCol="0">
+              <a:spAutoFit/>
+            </a:bodyPr>
+            <a:lstStyle/>
+            <a:p>
+              <a:r>
+                <a:rPr lang="en-US" altLang="ko-KR" sz="1400" dirty="0" smtClean="0">
+                  <a:solidFill>
+                    <a:schemeClr val="bg1"/>
+                  </a:solidFill>
+                  <a:latin typeface="나눔스퀘어OTF Light" pitchFamily="34" charset="-127"/>
+                  <a:ea typeface="나눔스퀘어OTF Light" pitchFamily="34" charset="-127"/>
+                </a:rPr>
+                <a:t>`</a:t>
+              </a:r>
+              <a:r>
+                <a:rPr lang="ko-KR" altLang="en-US" sz="1400" dirty="0" smtClean="0">
+                  <a:solidFill>
+                    <a:schemeClr val="bg1"/>
+                  </a:solidFill>
+                  <a:latin typeface="나눔스퀘어OTF Light" pitchFamily="34" charset="-127"/>
+                  <a:ea typeface="나눔스퀘어OTF Light" pitchFamily="34" charset="-127"/>
+                </a:rPr>
+                <a:t>제작자</a:t>
+              </a:r>
+              <a:endParaRPr lang="en-US" altLang="ko-KR" sz="1400" dirty="0" smtClean="0">
+                <a:solidFill>
+                  <a:schemeClr val="bg1"/>
+                </a:solidFill>
+                <a:latin typeface="나눔스퀘어OTF Light" pitchFamily="34" charset="-127"/>
+                <a:ea typeface="나눔스퀘어OTF Light" pitchFamily="34" charset="-127"/>
+              </a:endParaRPr>
+            </a:p>
+            <a:p>
+              <a:r>
+                <a:rPr lang="en-US" altLang="ko-KR" sz="1400" dirty="0" smtClean="0">
+                  <a:solidFill>
+                    <a:schemeClr val="bg1"/>
+                  </a:solidFill>
+                  <a:latin typeface="나눔스퀘어OTF Light" pitchFamily="34" charset="-127"/>
+                  <a:ea typeface="나눔스퀘어OTF Light" pitchFamily="34" charset="-127"/>
+                </a:rPr>
+                <a:t>`</a:t>
+              </a:r>
+              <a:r>
+                <a:rPr lang="ko-KR" altLang="en-US" sz="1400" dirty="0" smtClean="0">
+                  <a:solidFill>
+                    <a:schemeClr val="bg1"/>
+                  </a:solidFill>
+                  <a:latin typeface="나눔스퀘어OTF Light" pitchFamily="34" charset="-127"/>
+                  <a:ea typeface="나눔스퀘어OTF Light" pitchFamily="34" charset="-127"/>
+                </a:rPr>
+                <a:t>제작사</a:t>
+              </a:r>
+              <a:endParaRPr lang="en-US" altLang="ko-KR" sz="1400" dirty="0" smtClean="0">
+                <a:solidFill>
+                  <a:schemeClr val="bg1"/>
+                </a:solidFill>
+                <a:latin typeface="나눔스퀘어OTF Light" pitchFamily="34" charset="-127"/>
+                <a:ea typeface="나눔스퀘어OTF Light" pitchFamily="34" charset="-127"/>
+              </a:endParaRPr>
+            </a:p>
+            <a:p>
+              <a:r>
+                <a:rPr lang="en-US" altLang="ko-KR" sz="1400" dirty="0" smtClean="0">
+                  <a:solidFill>
+                    <a:schemeClr val="bg1"/>
+                  </a:solidFill>
+                  <a:latin typeface="나눔스퀘어OTF Light" pitchFamily="34" charset="-127"/>
+                  <a:ea typeface="나눔스퀘어OTF Light" pitchFamily="34" charset="-127"/>
+                </a:rPr>
+                <a:t>`</a:t>
+              </a:r>
+              <a:r>
+                <a:rPr lang="ko-KR" altLang="en-US" sz="1400" dirty="0" err="1" smtClean="0">
+                  <a:solidFill>
+                    <a:schemeClr val="bg1"/>
+                  </a:solidFill>
+                  <a:latin typeface="나눔스퀘어OTF Light" pitchFamily="34" charset="-127"/>
+                  <a:ea typeface="나눔스퀘어OTF Light" pitchFamily="34" charset="-127"/>
+                </a:rPr>
+                <a:t>투자사</a:t>
+              </a:r>
+              <a:endParaRPr lang="en-US" altLang="ko-KR" sz="1400" dirty="0" smtClean="0">
+                <a:solidFill>
+                  <a:schemeClr val="bg1"/>
+                </a:solidFill>
+                <a:latin typeface="나눔스퀘어OTF Light" pitchFamily="34" charset="-127"/>
+                <a:ea typeface="나눔스퀘어OTF Light" pitchFamily="34" charset="-127"/>
+              </a:endParaRPr>
+            </a:p>
+            <a:p>
+              <a:r>
+                <a:rPr lang="en-US" altLang="ko-KR" sz="1400" dirty="0" smtClean="0">
+                  <a:solidFill>
+                    <a:schemeClr val="bg1"/>
+                  </a:solidFill>
+                  <a:latin typeface="나눔스퀘어OTF Light" pitchFamily="34" charset="-127"/>
+                  <a:ea typeface="나눔스퀘어OTF Light" pitchFamily="34" charset="-127"/>
+                </a:rPr>
+                <a:t>`</a:t>
+              </a:r>
+              <a:r>
+                <a:rPr lang="ko-KR" altLang="en-US" sz="1400" dirty="0" smtClean="0">
+                  <a:solidFill>
+                    <a:schemeClr val="bg1"/>
+                  </a:solidFill>
+                  <a:latin typeface="나눔스퀘어OTF Light" pitchFamily="34" charset="-127"/>
+                  <a:ea typeface="나눔스퀘어OTF Light" pitchFamily="34" charset="-127"/>
+                </a:rPr>
+                <a:t>영화 마케팅 담당자</a:t>
+              </a:r>
+              <a:endParaRPr lang="en-US" altLang="ko-KR" sz="1400" dirty="0" smtClean="0">
+                <a:solidFill>
+                  <a:schemeClr val="bg1"/>
+                </a:solidFill>
+                <a:latin typeface="나눔스퀘어OTF Light" pitchFamily="34" charset="-127"/>
+                <a:ea typeface="나눔스퀘어OTF Light" pitchFamily="34" charset="-127"/>
+              </a:endParaRPr>
+            </a:p>
+          </p:txBody>
+        </p:sp>
+      </p:grpSp>
+      <p:grpSp>
+        <p:nvGrpSpPr>
+          <p:cNvPr id="18" name="그룹 17"/>
+          <p:cNvGrpSpPr/>
+          <p:nvPr/>
+        </p:nvGrpSpPr>
+        <p:grpSpPr>
+          <a:xfrm>
+            <a:off x="1071221" y="3898484"/>
+            <a:ext cx="3140739" cy="2530365"/>
+            <a:chOff x="389070" y="3727803"/>
+            <a:chExt cx="3140739" cy="2530365"/>
+          </a:xfrm>
+        </p:grpSpPr>
+        <p:sp>
+          <p:nvSpPr>
+            <p:cNvPr id="3" name="TextBox 2"/>
+            <p:cNvSpPr txBox="1"/>
+            <p:nvPr/>
+          </p:nvSpPr>
+          <p:spPr>
+            <a:xfrm>
+              <a:off x="467544" y="4473064"/>
+              <a:ext cx="3062265" cy="1785104"/>
+            </a:xfrm>
+            <a:prstGeom prst="rect">
+              <a:avLst/>
+            </a:prstGeom>
+            <a:noFill/>
+          </p:spPr>
+          <p:txBody>
+            <a:bodyPr wrap="square" rtlCol="0">
+              <a:spAutoFit/>
+            </a:bodyPr>
+            <a:lstStyle/>
+            <a:p>
+              <a:r>
+                <a:rPr lang="ko-KR" altLang="en-US" sz="1400" dirty="0">
+                  <a:solidFill>
+                    <a:schemeClr val="bg1"/>
+                  </a:solidFill>
+                  <a:latin typeface="나눔스퀘어OTF Light" pitchFamily="34" charset="-127"/>
+                  <a:ea typeface="나눔스퀘어OTF Light" pitchFamily="34" charset="-127"/>
+                </a:rPr>
+                <a:t>영화 관객 수에 따른 관람 </a:t>
+              </a:r>
+              <a:r>
+                <a:rPr lang="ko-KR" altLang="en-US" sz="1400" dirty="0" smtClean="0">
+                  <a:solidFill>
+                    <a:schemeClr val="bg1"/>
+                  </a:solidFill>
+                  <a:latin typeface="나눔스퀘어OTF Light" pitchFamily="34" charset="-127"/>
+                  <a:ea typeface="나눔스퀘어OTF Light" pitchFamily="34" charset="-127"/>
+                </a:rPr>
+                <a:t>순위</a:t>
+              </a:r>
+              <a:endParaRPr lang="en-US" altLang="ko-KR" sz="1400" dirty="0" smtClean="0">
+                <a:solidFill>
+                  <a:schemeClr val="bg1"/>
+                </a:solidFill>
+                <a:latin typeface="나눔스퀘어OTF Light" pitchFamily="34" charset="-127"/>
+                <a:ea typeface="나눔스퀘어OTF Light" pitchFamily="34" charset="-127"/>
+              </a:endParaRPr>
+            </a:p>
+            <a:p>
+              <a:r>
+                <a:rPr lang="en-US" altLang="ko-KR" sz="1400" dirty="0" smtClean="0">
+                  <a:solidFill>
+                    <a:schemeClr val="bg1"/>
+                  </a:solidFill>
+                  <a:latin typeface="나눔스퀘어OTF Light" pitchFamily="34" charset="-127"/>
+                  <a:ea typeface="나눔스퀘어OTF Light" pitchFamily="34" charset="-127"/>
+                </a:rPr>
+                <a:t>`</a:t>
+              </a:r>
+              <a:r>
+                <a:rPr lang="ko-KR" altLang="en-US" sz="1400" dirty="0" smtClean="0">
+                  <a:solidFill>
+                    <a:schemeClr val="bg1"/>
+                  </a:solidFill>
+                  <a:latin typeface="나눔스퀘어OTF Light" pitchFamily="34" charset="-127"/>
+                  <a:ea typeface="나눔스퀘어OTF Light" pitchFamily="34" charset="-127"/>
+                </a:rPr>
+                <a:t>영화 </a:t>
+              </a:r>
+              <a:r>
+                <a:rPr lang="ko-KR" altLang="en-US" sz="1400" dirty="0" smtClean="0">
+                  <a:solidFill>
+                    <a:schemeClr val="bg1"/>
+                  </a:solidFill>
+                  <a:latin typeface="나눔스퀘어OTF Light" pitchFamily="34" charset="-127"/>
+                  <a:ea typeface="나눔스퀘어OTF Light" pitchFamily="34" charset="-127"/>
+                </a:rPr>
+                <a:t>기본 정보</a:t>
+              </a:r>
+              <a:endParaRPr lang="en-US" altLang="ko-KR" sz="1400" dirty="0" smtClean="0">
+                <a:solidFill>
+                  <a:schemeClr val="bg1"/>
+                </a:solidFill>
+                <a:latin typeface="나눔스퀘어OTF Light" pitchFamily="34" charset="-127"/>
+                <a:ea typeface="나눔스퀘어OTF Light" pitchFamily="34" charset="-127"/>
+              </a:endParaRPr>
+            </a:p>
+            <a:p>
+              <a:r>
+                <a:rPr lang="en-US" altLang="ko-KR" sz="1400" dirty="0" smtClean="0">
+                  <a:solidFill>
+                    <a:schemeClr val="bg1"/>
+                  </a:solidFill>
+                  <a:latin typeface="나눔스퀘어OTF Light" pitchFamily="34" charset="-127"/>
+                  <a:ea typeface="나눔스퀘어OTF Light" pitchFamily="34" charset="-127"/>
+                </a:rPr>
+                <a:t>`</a:t>
+              </a:r>
+              <a:r>
+                <a:rPr lang="ko-KR" altLang="en-US" sz="1400" dirty="0" smtClean="0">
+                  <a:solidFill>
+                    <a:schemeClr val="bg1"/>
+                  </a:solidFill>
+                  <a:latin typeface="나눔스퀘어OTF Light" pitchFamily="34" charset="-127"/>
+                  <a:ea typeface="나눔스퀘어OTF Light" pitchFamily="34" charset="-127"/>
+                </a:rPr>
+                <a:t>영화 </a:t>
+              </a:r>
+              <a:r>
+                <a:rPr lang="ko-KR" altLang="en-US" sz="1400" dirty="0" smtClean="0">
+                  <a:solidFill>
+                    <a:schemeClr val="bg1"/>
+                  </a:solidFill>
+                  <a:latin typeface="나눔스퀘어OTF Light" pitchFamily="34" charset="-127"/>
+                  <a:ea typeface="나눔스퀘어OTF Light" pitchFamily="34" charset="-127"/>
+                </a:rPr>
+                <a:t>매출 정보 </a:t>
+              </a:r>
+              <a:endParaRPr lang="en-US" altLang="ko-KR" sz="1400" dirty="0" smtClean="0">
+                <a:solidFill>
+                  <a:schemeClr val="bg1"/>
+                </a:solidFill>
+                <a:latin typeface="나눔스퀘어OTF Light" pitchFamily="34" charset="-127"/>
+                <a:ea typeface="나눔스퀘어OTF Light" pitchFamily="34" charset="-127"/>
+              </a:endParaRPr>
+            </a:p>
+            <a:p>
+              <a:endParaRPr lang="en-US" altLang="ko-KR" sz="1400" dirty="0">
+                <a:solidFill>
+                  <a:schemeClr val="bg1"/>
+                </a:solidFill>
+                <a:latin typeface="나눔스퀘어OTF Light" pitchFamily="34" charset="-127"/>
+                <a:ea typeface="나눔스퀘어OTF Light" pitchFamily="34" charset="-127"/>
+              </a:endParaRPr>
+            </a:p>
+            <a:p>
+              <a:r>
+                <a:rPr lang="en-US" altLang="ko-KR" sz="1400" dirty="0" smtClean="0">
+                  <a:solidFill>
+                    <a:schemeClr val="bg1"/>
+                  </a:solidFill>
+                  <a:latin typeface="나눔스퀘어OTF Light" pitchFamily="34" charset="-127"/>
+                  <a:ea typeface="나눔스퀘어OTF Light" pitchFamily="34" charset="-127"/>
+                </a:rPr>
+                <a:t>IPTV </a:t>
+              </a:r>
+              <a:r>
+                <a:rPr lang="ko-KR" altLang="en-US" sz="1400" dirty="0" smtClean="0">
+                  <a:solidFill>
+                    <a:schemeClr val="bg1"/>
+                  </a:solidFill>
+                  <a:latin typeface="나눔스퀘어OTF Light" pitchFamily="34" charset="-127"/>
+                  <a:ea typeface="나눔스퀘어OTF Light" pitchFamily="34" charset="-127"/>
+                </a:rPr>
+                <a:t>월별 시청 횟수에 따른 시청 순위 </a:t>
+              </a:r>
+              <a:r>
+                <a:rPr lang="en-US" altLang="ko-KR" sz="1400" dirty="0" smtClean="0">
+                  <a:solidFill>
+                    <a:schemeClr val="bg1"/>
+                  </a:solidFill>
+                  <a:latin typeface="나눔스퀘어OTF Light" pitchFamily="34" charset="-127"/>
+                  <a:ea typeface="나눔스퀘어OTF Light" pitchFamily="34" charset="-127"/>
+                </a:rPr>
+                <a:t>(TOP 100</a:t>
+              </a:r>
+              <a:r>
+                <a:rPr lang="en-US" altLang="ko-KR" sz="1400" dirty="0" smtClean="0">
+                  <a:solidFill>
+                    <a:schemeClr val="bg1"/>
+                  </a:solidFill>
+                  <a:latin typeface="나눔스퀘어OTF Light" pitchFamily="34" charset="-127"/>
+                  <a:ea typeface="나눔스퀘어OTF Light" pitchFamily="34" charset="-127"/>
+                </a:rPr>
+                <a:t>)</a:t>
+              </a:r>
+            </a:p>
+            <a:p>
+              <a:endParaRPr lang="en-US" altLang="ko-KR" sz="1400" dirty="0">
+                <a:solidFill>
+                  <a:schemeClr val="bg1"/>
+                </a:solidFill>
+                <a:latin typeface="나눔스퀘어OTF Light" pitchFamily="34" charset="-127"/>
+                <a:ea typeface="나눔스퀘어OTF Light" pitchFamily="34" charset="-127"/>
+              </a:endParaRPr>
+            </a:p>
+            <a:p>
+              <a:r>
+                <a:rPr lang="ko-KR" altLang="en-US" sz="1100" dirty="0" smtClean="0">
+                  <a:solidFill>
+                    <a:schemeClr val="bg1"/>
+                  </a:solidFill>
+                  <a:latin typeface="나눔스퀘어OTF Light" pitchFamily="34" charset="-127"/>
+                  <a:ea typeface="나눔스퀘어OTF Light" pitchFamily="34" charset="-127"/>
+                </a:rPr>
+                <a:t>출처 영화산업진흥원</a:t>
+              </a:r>
+              <a:endParaRPr lang="ko-KR" altLang="en-US" sz="1100" dirty="0" smtClean="0">
+                <a:solidFill>
+                  <a:schemeClr val="bg1"/>
+                </a:solidFill>
+                <a:latin typeface="나눔스퀘어OTF Light" pitchFamily="34" charset="-127"/>
+                <a:ea typeface="나눔스퀘어OTF Light" pitchFamily="34" charset="-127"/>
+              </a:endParaRPr>
+            </a:p>
+          </p:txBody>
+        </p:sp>
+        <p:sp>
+          <p:nvSpPr>
+            <p:cNvPr id="13" name="직사각형 12"/>
+            <p:cNvSpPr/>
+            <p:nvPr/>
+          </p:nvSpPr>
+          <p:spPr>
+            <a:xfrm>
+              <a:off x="575331" y="4221088"/>
+              <a:ext cx="360040" cy="45719"/>
+            </a:xfrm>
+            <a:prstGeom prst="rect">
+              <a:avLst/>
+            </a:prstGeom>
+            <a:solidFill>
+              <a:schemeClr val="bg1">
+                <a:lumMod val="85000"/>
+              </a:schemeClr>
+            </a:solidFill>
+            <a:ln>
+              <a:noFill/>
+            </a:ln>
+          </p:spPr>
+          <p:style>
+            <a:lnRef idx="2">
+              <a:schemeClr val="accent1">
+                <a:shade val="50000"/>
+              </a:schemeClr>
+            </a:lnRef>
+            <a:fillRef idx="1">
+              <a:schemeClr val="accent1"/>
+            </a:fillRef>
+            <a:effectRef idx="0">
+              <a:schemeClr val="accent1"/>
+            </a:effectRef>
+            <a:fontRef idx="minor">
+              <a:schemeClr val="lt1"/>
+            </a:fontRef>
+          </p:style>
+          <p:txBody>
+            <a:bodyPr rtlCol="0" anchor="ctr"/>
+            <a:lstStyle/>
+            <a:p>
+              <a:pPr algn="ctr"/>
+              <a:endParaRPr lang="ko-KR" altLang="en-US" sz="1600">
+                <a:latin typeface="나눔스퀘어OTF Light" pitchFamily="34" charset="-127"/>
+                <a:ea typeface="나눔스퀘어OTF Light" pitchFamily="34" charset="-127"/>
+              </a:endParaRPr>
+            </a:p>
+          </p:txBody>
+        </p:sp>
+        <p:sp>
+          <p:nvSpPr>
+            <p:cNvPr id="14" name="TextBox 13"/>
+            <p:cNvSpPr txBox="1"/>
+            <p:nvPr/>
+          </p:nvSpPr>
+          <p:spPr>
+            <a:xfrm>
+              <a:off x="389070" y="3727803"/>
+              <a:ext cx="1446626" cy="338554"/>
+            </a:xfrm>
+            <a:prstGeom prst="rect">
+              <a:avLst/>
+            </a:prstGeom>
+            <a:noFill/>
+          </p:spPr>
+          <p:txBody>
+            <a:bodyPr wrap="square" rtlCol="0">
+              <a:spAutoFit/>
+            </a:bodyPr>
+            <a:lstStyle/>
+            <a:p>
+              <a:r>
+                <a:rPr lang="en-US" altLang="ko-KR" sz="1600" dirty="0" smtClean="0">
+                  <a:solidFill>
+                    <a:schemeClr val="bg1"/>
+                  </a:solidFill>
+                  <a:latin typeface="나눔스퀘어OTF" pitchFamily="34" charset="-127"/>
+                  <a:ea typeface="나눔스퀘어OTF" pitchFamily="34" charset="-127"/>
+                </a:rPr>
+                <a:t>Data Set</a:t>
+              </a:r>
+              <a:endParaRPr lang="ko-KR" altLang="en-US" sz="1600" dirty="0" smtClean="0">
+                <a:solidFill>
+                  <a:schemeClr val="bg1"/>
+                </a:solidFill>
+                <a:latin typeface="나눔스퀘어OTF" pitchFamily="34" charset="-127"/>
+                <a:ea typeface="나눔스퀘어OTF" pitchFamily="34" charset="-127"/>
+              </a:endParaRPr>
+            </a:p>
+          </p:txBody>
+        </p:sp>
+      </p:grpSp>
+      <p:grpSp>
+        <p:nvGrpSpPr>
+          <p:cNvPr id="20" name="그룹 19"/>
+          <p:cNvGrpSpPr/>
+          <p:nvPr/>
+        </p:nvGrpSpPr>
+        <p:grpSpPr>
+          <a:xfrm>
+            <a:off x="5611197" y="3898484"/>
+            <a:ext cx="2849235" cy="2483665"/>
+            <a:chOff x="4562817" y="3824713"/>
+            <a:chExt cx="2849235" cy="2483665"/>
+          </a:xfrm>
+        </p:grpSpPr>
+        <p:sp>
+          <p:nvSpPr>
+            <p:cNvPr id="4" name="TextBox 3"/>
+            <p:cNvSpPr txBox="1"/>
+            <p:nvPr/>
+          </p:nvSpPr>
+          <p:spPr>
+            <a:xfrm>
+              <a:off x="4603740" y="4492496"/>
+              <a:ext cx="2808312" cy="1815882"/>
+            </a:xfrm>
+            <a:prstGeom prst="rect">
+              <a:avLst/>
+            </a:prstGeom>
+            <a:noFill/>
+          </p:spPr>
+          <p:txBody>
+            <a:bodyPr wrap="square" rtlCol="0">
+              <a:spAutoFit/>
+            </a:bodyPr>
+            <a:lstStyle/>
+            <a:p>
+              <a:r>
+                <a:rPr lang="ko-KR" altLang="en-US" sz="1400" dirty="0" smtClean="0">
+                  <a:solidFill>
+                    <a:schemeClr val="bg1"/>
+                  </a:solidFill>
+                  <a:latin typeface="나눔스퀘어OTF Light" pitchFamily="34" charset="-127"/>
+                  <a:ea typeface="나눔스퀘어OTF Light" pitchFamily="34" charset="-127"/>
+                </a:rPr>
+                <a:t>데이터 처리 과정</a:t>
+              </a:r>
+              <a:endParaRPr lang="en-US" altLang="ko-KR" sz="1400" dirty="0" smtClean="0">
+                <a:solidFill>
+                  <a:schemeClr val="bg1"/>
+                </a:solidFill>
+                <a:latin typeface="나눔스퀘어OTF Light" pitchFamily="34" charset="-127"/>
+                <a:ea typeface="나눔스퀘어OTF Light" pitchFamily="34" charset="-127"/>
+              </a:endParaRPr>
+            </a:p>
+            <a:p>
+              <a:r>
+                <a:rPr lang="en-US" altLang="ko-KR" sz="1400" dirty="0" smtClean="0">
+                  <a:solidFill>
+                    <a:schemeClr val="bg1"/>
+                  </a:solidFill>
+                  <a:latin typeface="나눔스퀘어OTF Light" pitchFamily="34" charset="-127"/>
+                  <a:ea typeface="나눔스퀘어OTF Light" pitchFamily="34" charset="-127"/>
+                </a:rPr>
+                <a:t>-</a:t>
+              </a:r>
+              <a:r>
+                <a:rPr lang="ko-KR" altLang="en-US" sz="1400" dirty="0" err="1" smtClean="0">
+                  <a:solidFill>
+                    <a:schemeClr val="bg1"/>
+                  </a:solidFill>
+                  <a:latin typeface="나눔스퀘어OTF Light" pitchFamily="34" charset="-127"/>
+                  <a:ea typeface="나눔스퀘어OTF Light" pitchFamily="34" charset="-127"/>
+                </a:rPr>
+                <a:t>오라클</a:t>
+              </a:r>
+              <a:r>
+                <a:rPr lang="ko-KR" altLang="en-US" sz="1400" dirty="0" smtClean="0">
+                  <a:solidFill>
+                    <a:schemeClr val="bg1"/>
+                  </a:solidFill>
+                  <a:latin typeface="나눔스퀘어OTF Light" pitchFamily="34" charset="-127"/>
+                  <a:ea typeface="나눔스퀘어OTF Light" pitchFamily="34" charset="-127"/>
+                </a:rPr>
+                <a:t> </a:t>
+              </a:r>
+              <a:r>
+                <a:rPr lang="en-US" altLang="ko-KR" sz="1400" dirty="0" smtClean="0">
+                  <a:solidFill>
+                    <a:schemeClr val="bg1"/>
+                  </a:solidFill>
+                  <a:latin typeface="나눔스퀘어OTF Light" pitchFamily="34" charset="-127"/>
+                  <a:ea typeface="나눔스퀘어OTF Light" pitchFamily="34" charset="-127"/>
+                </a:rPr>
+                <a:t>/ </a:t>
+              </a:r>
+              <a:r>
+                <a:rPr lang="en-US" altLang="ko-KR" sz="1400" dirty="0" err="1" smtClean="0">
+                  <a:solidFill>
+                    <a:schemeClr val="bg1"/>
+                  </a:solidFill>
+                  <a:latin typeface="나눔스퀘어OTF Light" pitchFamily="34" charset="-127"/>
+                  <a:ea typeface="나눔스퀘어OTF Light" pitchFamily="34" charset="-127"/>
+                </a:rPr>
+                <a:t>Mysql</a:t>
+              </a:r>
+              <a:r>
+                <a:rPr lang="en-US" altLang="ko-KR" sz="1400" dirty="0" smtClean="0">
+                  <a:solidFill>
+                    <a:schemeClr val="bg1"/>
+                  </a:solidFill>
+                  <a:latin typeface="나눔스퀘어OTF Light" pitchFamily="34" charset="-127"/>
+                  <a:ea typeface="나눔스퀘어OTF Light" pitchFamily="34" charset="-127"/>
+                </a:rPr>
+                <a:t> / </a:t>
+              </a:r>
+              <a:r>
+                <a:rPr lang="ko-KR" altLang="en-US" sz="1400" dirty="0" err="1" smtClean="0">
+                  <a:solidFill>
+                    <a:schemeClr val="bg1"/>
+                  </a:solidFill>
+                  <a:latin typeface="나눔스퀘어OTF Light" pitchFamily="34" charset="-127"/>
+                  <a:ea typeface="나눔스퀘어OTF Light" pitchFamily="34" charset="-127"/>
+                </a:rPr>
+                <a:t>하둡</a:t>
+              </a:r>
+              <a:endParaRPr lang="en-US" altLang="ko-KR" sz="1400" dirty="0" smtClean="0">
+                <a:solidFill>
+                  <a:schemeClr val="bg1"/>
+                </a:solidFill>
+                <a:latin typeface="나눔스퀘어OTF Light" pitchFamily="34" charset="-127"/>
+                <a:ea typeface="나눔스퀘어OTF Light" pitchFamily="34" charset="-127"/>
+              </a:endParaRPr>
+            </a:p>
+            <a:p>
+              <a:endParaRPr lang="en-US" altLang="ko-KR" sz="1400" dirty="0" smtClean="0">
+                <a:solidFill>
+                  <a:schemeClr val="bg1"/>
+                </a:solidFill>
+                <a:latin typeface="나눔스퀘어OTF Light" pitchFamily="34" charset="-127"/>
+                <a:ea typeface="나눔스퀘어OTF Light" pitchFamily="34" charset="-127"/>
+              </a:endParaRPr>
+            </a:p>
+            <a:p>
+              <a:r>
+                <a:rPr lang="ko-KR" altLang="en-US" sz="1400" dirty="0" smtClean="0">
+                  <a:solidFill>
+                    <a:schemeClr val="bg1"/>
+                  </a:solidFill>
+                  <a:latin typeface="나눔스퀘어OTF Light" pitchFamily="34" charset="-127"/>
+                  <a:ea typeface="나눔스퀘어OTF Light" pitchFamily="34" charset="-127"/>
+                </a:rPr>
+                <a:t>웹</a:t>
+              </a:r>
+              <a:endParaRPr lang="en-US" altLang="ko-KR" sz="1400" dirty="0">
+                <a:solidFill>
+                  <a:schemeClr val="bg1"/>
+                </a:solidFill>
+                <a:latin typeface="나눔스퀘어OTF Light" pitchFamily="34" charset="-127"/>
+                <a:ea typeface="나눔스퀘어OTF Light" pitchFamily="34" charset="-127"/>
+              </a:endParaRPr>
+            </a:p>
+            <a:p>
+              <a:r>
+                <a:rPr lang="en-US" altLang="ko-KR" sz="1400" dirty="0" smtClean="0">
+                  <a:solidFill>
+                    <a:schemeClr val="bg1"/>
+                  </a:solidFill>
+                  <a:latin typeface="나눔스퀘어OTF Light" pitchFamily="34" charset="-127"/>
+                  <a:ea typeface="나눔스퀘어OTF Light" pitchFamily="34" charset="-127"/>
+                </a:rPr>
+                <a:t>-</a:t>
+              </a:r>
+              <a:r>
+                <a:rPr lang="ko-KR" altLang="en-US" sz="1400" dirty="0" smtClean="0">
+                  <a:solidFill>
+                    <a:schemeClr val="bg1"/>
+                  </a:solidFill>
+                  <a:latin typeface="나눔스퀘어OTF Light" pitchFamily="34" charset="-127"/>
+                  <a:ea typeface="나눔스퀘어OTF Light" pitchFamily="34" charset="-127"/>
+                </a:rPr>
+                <a:t>자바</a:t>
+              </a:r>
+              <a:r>
+                <a:rPr lang="en-US" altLang="ko-KR" sz="1400" dirty="0">
+                  <a:solidFill>
+                    <a:schemeClr val="bg1"/>
+                  </a:solidFill>
+                  <a:latin typeface="나눔스퀘어OTF Light" pitchFamily="34" charset="-127"/>
+                  <a:ea typeface="나눔스퀘어OTF Light" pitchFamily="34" charset="-127"/>
+                </a:rPr>
+                <a:t> </a:t>
+              </a:r>
+              <a:r>
+                <a:rPr lang="en-US" altLang="ko-KR" sz="1400" dirty="0" smtClean="0">
+                  <a:solidFill>
+                    <a:schemeClr val="bg1"/>
+                  </a:solidFill>
+                  <a:latin typeface="나눔스퀘어OTF Light" pitchFamily="34" charset="-127"/>
+                  <a:ea typeface="나눔스퀘어OTF Light" pitchFamily="34" charset="-127"/>
+                </a:rPr>
+                <a:t>/ </a:t>
+              </a:r>
+              <a:r>
+                <a:rPr lang="en-US" altLang="ko-KR" sz="1400" dirty="0" err="1" smtClean="0">
+                  <a:solidFill>
+                    <a:schemeClr val="bg1"/>
+                  </a:solidFill>
+                  <a:latin typeface="나눔스퀘어OTF Light" pitchFamily="34" charset="-127"/>
+                  <a:ea typeface="나눔스퀘어OTF Light" pitchFamily="34" charset="-127"/>
+                </a:rPr>
+                <a:t>js</a:t>
+              </a:r>
+              <a:r>
+                <a:rPr lang="en-US" altLang="ko-KR" sz="1400" dirty="0" smtClean="0">
+                  <a:solidFill>
+                    <a:schemeClr val="bg1"/>
+                  </a:solidFill>
+                  <a:latin typeface="나눔스퀘어OTF Light" pitchFamily="34" charset="-127"/>
+                  <a:ea typeface="나눔스퀘어OTF Light" pitchFamily="34" charset="-127"/>
+                </a:rPr>
+                <a:t> / </a:t>
+              </a:r>
+              <a:r>
+                <a:rPr lang="ko-KR" altLang="en-US" sz="1400" dirty="0" err="1" smtClean="0">
+                  <a:solidFill>
+                    <a:schemeClr val="bg1"/>
+                  </a:solidFill>
+                  <a:latin typeface="나눔스퀘어OTF Light" pitchFamily="34" charset="-127"/>
+                  <a:ea typeface="나눔스퀘어OTF Light" pitchFamily="34" charset="-127"/>
+                </a:rPr>
+                <a:t>파이썬</a:t>
+              </a:r>
+              <a:r>
+                <a:rPr lang="ko-KR" altLang="en-US" sz="1400" dirty="0" smtClean="0">
+                  <a:solidFill>
+                    <a:schemeClr val="bg1"/>
+                  </a:solidFill>
+                  <a:latin typeface="나눔스퀘어OTF Light" pitchFamily="34" charset="-127"/>
+                  <a:ea typeface="나눔스퀘어OTF Light" pitchFamily="34" charset="-127"/>
+                </a:rPr>
+                <a:t> </a:t>
+              </a:r>
+              <a:r>
+                <a:rPr lang="en-US" altLang="ko-KR" sz="1400" dirty="0" smtClean="0">
+                  <a:solidFill>
+                    <a:schemeClr val="bg1"/>
+                  </a:solidFill>
+                  <a:latin typeface="나눔스퀘어OTF Light" pitchFamily="34" charset="-127"/>
+                  <a:ea typeface="나눔스퀘어OTF Light" pitchFamily="34" charset="-127"/>
+                </a:rPr>
+                <a:t>/ R</a:t>
+              </a:r>
+            </a:p>
+            <a:p>
+              <a:endParaRPr lang="en-US" altLang="ko-KR" sz="1400" dirty="0">
+                <a:solidFill>
+                  <a:schemeClr val="bg1"/>
+                </a:solidFill>
+                <a:latin typeface="나눔스퀘어OTF Light" pitchFamily="34" charset="-127"/>
+                <a:ea typeface="나눔스퀘어OTF Light" pitchFamily="34" charset="-127"/>
+              </a:endParaRPr>
+            </a:p>
+            <a:p>
+              <a:r>
+                <a:rPr lang="ko-KR" altLang="en-US" sz="1400" dirty="0" smtClean="0">
+                  <a:solidFill>
+                    <a:schemeClr val="bg1"/>
+                  </a:solidFill>
+                  <a:latin typeface="나눔스퀘어OTF Light" pitchFamily="34" charset="-127"/>
+                  <a:ea typeface="나눔스퀘어OTF Light" pitchFamily="34" charset="-127"/>
+                </a:rPr>
+                <a:t>시각화</a:t>
+              </a:r>
+              <a:endParaRPr lang="en-US" altLang="ko-KR" sz="1400" dirty="0" smtClean="0">
+                <a:solidFill>
+                  <a:schemeClr val="bg1"/>
+                </a:solidFill>
+                <a:latin typeface="나눔스퀘어OTF Light" pitchFamily="34" charset="-127"/>
+                <a:ea typeface="나눔스퀘어OTF Light" pitchFamily="34" charset="-127"/>
+              </a:endParaRPr>
+            </a:p>
+            <a:p>
+              <a:r>
+                <a:rPr lang="en-US" altLang="ko-KR" sz="1400" dirty="0" smtClean="0">
+                  <a:solidFill>
+                    <a:schemeClr val="bg1"/>
+                  </a:solidFill>
+                  <a:latin typeface="나눔스퀘어OTF Light" pitchFamily="34" charset="-127"/>
+                  <a:ea typeface="나눔스퀘어OTF Light" pitchFamily="34" charset="-127"/>
+                </a:rPr>
+                <a:t>-</a:t>
+              </a:r>
+              <a:r>
+                <a:rPr lang="ko-KR" altLang="en-US" sz="1400" dirty="0" err="1" smtClean="0">
+                  <a:solidFill>
+                    <a:schemeClr val="bg1"/>
+                  </a:solidFill>
+                  <a:latin typeface="나눔스퀘어OTF Light" pitchFamily="34" charset="-127"/>
+                  <a:ea typeface="나눔스퀘어OTF Light" pitchFamily="34" charset="-127"/>
+                </a:rPr>
+                <a:t>구글차트</a:t>
+              </a:r>
+              <a:r>
+                <a:rPr lang="ko-KR" altLang="en-US" sz="1400" dirty="0" smtClean="0">
+                  <a:solidFill>
+                    <a:schemeClr val="bg1"/>
+                  </a:solidFill>
+                  <a:latin typeface="나눔스퀘어OTF Light" pitchFamily="34" charset="-127"/>
+                  <a:ea typeface="나눔스퀘어OTF Light" pitchFamily="34" charset="-127"/>
+                </a:rPr>
+                <a:t> </a:t>
+              </a:r>
+              <a:r>
+                <a:rPr lang="en-US" altLang="ko-KR" sz="1400" dirty="0" smtClean="0">
+                  <a:solidFill>
+                    <a:schemeClr val="bg1"/>
+                  </a:solidFill>
+                  <a:latin typeface="나눔스퀘어OTF Light" pitchFamily="34" charset="-127"/>
+                  <a:ea typeface="나눔스퀘어OTF Light" pitchFamily="34" charset="-127"/>
+                </a:rPr>
+                <a:t>/ d3 / </a:t>
+              </a:r>
+            </a:p>
+          </p:txBody>
+        </p:sp>
+        <p:sp>
+          <p:nvSpPr>
+            <p:cNvPr id="15" name="직사각형 14"/>
+            <p:cNvSpPr/>
+            <p:nvPr/>
+          </p:nvSpPr>
+          <p:spPr>
+            <a:xfrm>
+              <a:off x="4749078" y="4317998"/>
+              <a:ext cx="360040" cy="45719"/>
+            </a:xfrm>
+            <a:prstGeom prst="rect">
+              <a:avLst/>
+            </a:prstGeom>
+            <a:solidFill>
+              <a:schemeClr val="bg1">
+                <a:lumMod val="85000"/>
+              </a:schemeClr>
+            </a:solidFill>
+            <a:ln>
+              <a:noFill/>
+            </a:ln>
+          </p:spPr>
+          <p:style>
+            <a:lnRef idx="2">
+              <a:schemeClr val="accent1">
+                <a:shade val="50000"/>
+              </a:schemeClr>
+            </a:lnRef>
+            <a:fillRef idx="1">
+              <a:schemeClr val="accent1"/>
+            </a:fillRef>
+            <a:effectRef idx="0">
+              <a:schemeClr val="accent1"/>
+            </a:effectRef>
+            <a:fontRef idx="minor">
+              <a:schemeClr val="lt1"/>
+            </a:fontRef>
+          </p:style>
+          <p:txBody>
+            <a:bodyPr rtlCol="0" anchor="ctr"/>
+            <a:lstStyle/>
+            <a:p>
+              <a:pPr algn="ctr"/>
+              <a:endParaRPr lang="ko-KR" altLang="en-US" sz="1600">
+                <a:latin typeface="나눔스퀘어OTF Light" pitchFamily="34" charset="-127"/>
+                <a:ea typeface="나눔스퀘어OTF Light" pitchFamily="34" charset="-127"/>
+              </a:endParaRPr>
+            </a:p>
+          </p:txBody>
+        </p:sp>
+        <p:sp>
+          <p:nvSpPr>
+            <p:cNvPr id="16" name="TextBox 15"/>
+            <p:cNvSpPr txBox="1"/>
+            <p:nvPr/>
+          </p:nvSpPr>
+          <p:spPr>
+            <a:xfrm>
+              <a:off x="4562817" y="3824713"/>
+              <a:ext cx="1445079" cy="338554"/>
+            </a:xfrm>
+            <a:prstGeom prst="rect">
+              <a:avLst/>
+            </a:prstGeom>
+            <a:noFill/>
+          </p:spPr>
+          <p:txBody>
+            <a:bodyPr wrap="square" rtlCol="0">
+              <a:spAutoFit/>
+            </a:bodyPr>
+            <a:lstStyle/>
+            <a:p>
+              <a:r>
+                <a:rPr lang="ko-KR" altLang="en-US" sz="1600" dirty="0" smtClean="0">
+                  <a:solidFill>
+                    <a:schemeClr val="bg1"/>
+                  </a:solidFill>
+                  <a:latin typeface="나눔스퀘어OTF" pitchFamily="34" charset="-127"/>
+                  <a:ea typeface="나눔스퀘어OTF" pitchFamily="34" charset="-127"/>
+                </a:rPr>
+                <a:t>향후 </a:t>
+              </a:r>
+              <a:r>
+                <a:rPr lang="ko-KR" altLang="en-US" sz="1600" dirty="0">
+                  <a:solidFill>
+                    <a:schemeClr val="bg1"/>
+                  </a:solidFill>
+                  <a:latin typeface="나눔스퀘어OTF" pitchFamily="34" charset="-127"/>
+                  <a:ea typeface="나눔스퀘어OTF" pitchFamily="34" charset="-127"/>
+                </a:rPr>
+                <a:t>계</a:t>
+              </a:r>
+              <a:r>
+                <a:rPr lang="ko-KR" altLang="en-US" sz="1600" dirty="0" smtClean="0">
+                  <a:solidFill>
+                    <a:schemeClr val="bg1"/>
+                  </a:solidFill>
+                  <a:latin typeface="나눔스퀘어OTF" pitchFamily="34" charset="-127"/>
+                  <a:ea typeface="나눔스퀘어OTF" pitchFamily="34" charset="-127"/>
+                </a:rPr>
+                <a:t>획</a:t>
+              </a:r>
+              <a:endParaRPr lang="ko-KR" altLang="en-US" sz="1600" dirty="0" smtClean="0">
+                <a:solidFill>
+                  <a:schemeClr val="bg1"/>
+                </a:solidFill>
+                <a:latin typeface="나눔스퀘어OTF" pitchFamily="34" charset="-127"/>
+                <a:ea typeface="나눔스퀘어OTF" pitchFamily="34" charset="-127"/>
+              </a:endParaRPr>
+            </a:p>
+          </p:txBody>
+        </p:sp>
+      </p:grpSp>
+      <p:grpSp>
+        <p:nvGrpSpPr>
+          <p:cNvPr id="12" name="그룹 11"/>
+          <p:cNvGrpSpPr/>
+          <p:nvPr/>
+        </p:nvGrpSpPr>
+        <p:grpSpPr>
+          <a:xfrm>
+            <a:off x="2528032" y="249551"/>
+            <a:ext cx="3870432" cy="3226292"/>
+            <a:chOff x="4734016" y="274716"/>
+            <a:chExt cx="3870432" cy="3226292"/>
+          </a:xfrm>
+        </p:grpSpPr>
+        <p:sp>
+          <p:nvSpPr>
+            <p:cNvPr id="2" name="타원 1"/>
+            <p:cNvSpPr/>
+            <p:nvPr/>
+          </p:nvSpPr>
+          <p:spPr>
+            <a:xfrm>
+              <a:off x="5047779" y="274716"/>
+              <a:ext cx="3194961" cy="3168352"/>
+            </a:xfrm>
+            <a:prstGeom prst="ellipse">
+              <a:avLst/>
+            </a:prstGeom>
+            <a:noFill/>
+            <a:ln>
+              <a:solidFill>
+                <a:schemeClr val="bg1">
+                  <a:lumMod val="50000"/>
+                </a:schemeClr>
+              </a:solidFill>
+            </a:ln>
+          </p:spPr>
+          <p:style>
+            <a:lnRef idx="2">
+              <a:schemeClr val="accent1">
+                <a:shade val="50000"/>
+              </a:schemeClr>
+            </a:lnRef>
+            <a:fillRef idx="1">
+              <a:schemeClr val="accent1"/>
+            </a:fillRef>
+            <a:effectRef idx="0">
+              <a:schemeClr val="accent1"/>
+            </a:effectRef>
+            <a:fontRef idx="minor">
+              <a:schemeClr val="lt1"/>
+            </a:fontRef>
+          </p:style>
+          <p:txBody>
+            <a:bodyPr rtlCol="0" anchor="ctr"/>
+            <a:lstStyle/>
+            <a:p>
+              <a:pPr algn="ctr"/>
+              <a:endParaRPr lang="ko-KR" altLang="en-US"/>
+            </a:p>
+          </p:txBody>
+        </p:sp>
+        <p:sp>
+          <p:nvSpPr>
+            <p:cNvPr id="8" name="TextBox 7"/>
+            <p:cNvSpPr txBox="1"/>
+            <p:nvPr/>
+          </p:nvSpPr>
+          <p:spPr>
+            <a:xfrm>
+              <a:off x="4734016" y="1279053"/>
+              <a:ext cx="3870432" cy="1508105"/>
+            </a:xfrm>
+            <a:prstGeom prst="rect">
+              <a:avLst/>
+            </a:prstGeom>
+            <a:noFill/>
+          </p:spPr>
+          <p:txBody>
+            <a:bodyPr wrap="square" rtlCol="0">
+              <a:spAutoFit/>
+            </a:bodyPr>
+            <a:lstStyle/>
+            <a:p>
+              <a:pPr algn="ctr"/>
+              <a:r>
+                <a:rPr lang="ko-KR" altLang="en-US" sz="2400" dirty="0" smtClean="0">
+                  <a:solidFill>
+                    <a:schemeClr val="bg1"/>
+                  </a:solidFill>
+                  <a:latin typeface="나눔스퀘어OTF Bold" pitchFamily="34" charset="-127"/>
+                  <a:ea typeface="나눔스퀘어OTF Bold" pitchFamily="34" charset="-127"/>
+                </a:rPr>
+                <a:t>영화 흥행 </a:t>
+              </a:r>
+              <a:r>
+                <a:rPr lang="ko-KR" altLang="en-US" sz="2400" dirty="0" smtClean="0">
+                  <a:solidFill>
+                    <a:schemeClr val="bg1"/>
+                  </a:solidFill>
+                  <a:latin typeface="나눔스퀘어OTF Bold" pitchFamily="34" charset="-127"/>
+                  <a:ea typeface="나눔스퀘어OTF Bold" pitchFamily="34" charset="-127"/>
+                </a:rPr>
+                <a:t>예측</a:t>
+              </a:r>
+              <a:endParaRPr lang="en-US" altLang="ko-KR" sz="2400" dirty="0">
+                <a:solidFill>
+                  <a:schemeClr val="bg1"/>
+                </a:solidFill>
+                <a:latin typeface="나눔스퀘어OTF Bold" pitchFamily="34" charset="-127"/>
+                <a:ea typeface="나눔스퀘어OTF Bold" pitchFamily="34" charset="-127"/>
+              </a:endParaRPr>
+            </a:p>
+            <a:p>
+              <a:pPr algn="ctr"/>
+              <a:r>
+                <a:rPr lang="ko-KR" altLang="en-US" sz="2400" dirty="0" smtClean="0">
+                  <a:solidFill>
+                    <a:schemeClr val="bg1"/>
+                  </a:solidFill>
+                  <a:latin typeface="나눔스퀘어OTF Bold" pitchFamily="34" charset="-127"/>
+                  <a:ea typeface="나눔스퀘어OTF Bold" pitchFamily="34" charset="-127"/>
+                </a:rPr>
+                <a:t>투자 전략 제공</a:t>
+              </a:r>
+              <a:endParaRPr lang="en-US" altLang="ko-KR" sz="2400" dirty="0" smtClean="0">
+                <a:solidFill>
+                  <a:schemeClr val="bg1"/>
+                </a:solidFill>
+                <a:latin typeface="나눔스퀘어OTF Bold" pitchFamily="34" charset="-127"/>
+                <a:ea typeface="나눔스퀘어OTF Bold" pitchFamily="34" charset="-127"/>
+              </a:endParaRPr>
+            </a:p>
+            <a:p>
+              <a:pPr algn="ctr"/>
+              <a:r>
+                <a:rPr lang="en-US" altLang="ko-KR" sz="4400" dirty="0" smtClean="0">
+                  <a:solidFill>
+                    <a:schemeClr val="bg1"/>
+                  </a:solidFill>
+                  <a:latin typeface="나눔스퀘어OTF Bold" pitchFamily="34" charset="-127"/>
+                  <a:ea typeface="나눔스퀘어OTF Bold" pitchFamily="34" charset="-127"/>
+                </a:rPr>
+                <a:t>Tool </a:t>
+              </a:r>
+              <a:endParaRPr lang="ko-KR" altLang="en-US" sz="4400" dirty="0" smtClean="0">
+                <a:solidFill>
+                  <a:schemeClr val="bg1"/>
+                </a:solidFill>
+                <a:latin typeface="나눔스퀘어OTF Bold" pitchFamily="34" charset="-127"/>
+                <a:ea typeface="나눔스퀘어OTF Bold" pitchFamily="34" charset="-127"/>
+              </a:endParaRPr>
+            </a:p>
+          </p:txBody>
+        </p:sp>
+        <p:sp>
+          <p:nvSpPr>
+            <p:cNvPr id="17" name="타원 16"/>
+            <p:cNvSpPr/>
+            <p:nvPr/>
+          </p:nvSpPr>
+          <p:spPr>
+            <a:xfrm>
+              <a:off x="5121455" y="332656"/>
+              <a:ext cx="3194961" cy="3168352"/>
+            </a:xfrm>
+            <a:prstGeom prst="ellipse">
+              <a:avLst/>
+            </a:prstGeom>
+            <a:noFill/>
+            <a:ln>
+              <a:solidFill>
+                <a:schemeClr val="bg1">
+                  <a:lumMod val="50000"/>
+                </a:schemeClr>
+              </a:solidFill>
+            </a:ln>
+          </p:spPr>
+          <p:style>
+            <a:lnRef idx="2">
+              <a:schemeClr val="accent1">
+                <a:shade val="50000"/>
+              </a:schemeClr>
+            </a:lnRef>
+            <a:fillRef idx="1">
+              <a:schemeClr val="accent1"/>
+            </a:fillRef>
+            <a:effectRef idx="0">
+              <a:schemeClr val="accent1"/>
+            </a:effectRef>
+            <a:fontRef idx="minor">
+              <a:schemeClr val="lt1"/>
+            </a:fontRef>
+          </p:style>
+          <p:txBody>
+            <a:bodyPr rtlCol="0" anchor="ctr"/>
+            <a:lstStyle/>
+            <a:p>
+              <a:pPr algn="ctr"/>
+              <a:endParaRPr lang="ko-KR" altLang="en-US"/>
+            </a:p>
+          </p:txBody>
+        </p:sp>
+      </p:grpSp>
+      <p:grpSp>
+        <p:nvGrpSpPr>
+          <p:cNvPr id="22" name="그룹 21"/>
+          <p:cNvGrpSpPr/>
+          <p:nvPr/>
+        </p:nvGrpSpPr>
+        <p:grpSpPr>
+          <a:xfrm>
+            <a:off x="6313068" y="1135866"/>
+            <a:ext cx="2634941" cy="1843188"/>
+            <a:chOff x="325453" y="727549"/>
+            <a:chExt cx="2634941" cy="1843188"/>
+          </a:xfrm>
+        </p:grpSpPr>
+        <p:sp>
+          <p:nvSpPr>
+            <p:cNvPr id="23" name="TextBox 22"/>
+            <p:cNvSpPr txBox="1"/>
+            <p:nvPr/>
+          </p:nvSpPr>
+          <p:spPr>
+            <a:xfrm>
+              <a:off x="325453" y="727549"/>
+              <a:ext cx="1798275" cy="338554"/>
+            </a:xfrm>
+            <a:prstGeom prst="rect">
+              <a:avLst/>
+            </a:prstGeom>
+            <a:noFill/>
+          </p:spPr>
+          <p:txBody>
+            <a:bodyPr wrap="square" rtlCol="0">
+              <a:spAutoFit/>
+            </a:bodyPr>
+            <a:lstStyle/>
+            <a:p>
+              <a:r>
+                <a:rPr lang="ko-KR" altLang="en-US" sz="1600" dirty="0" smtClean="0">
+                  <a:solidFill>
+                    <a:schemeClr val="bg1"/>
+                  </a:solidFill>
+                  <a:latin typeface="나눔스퀘어OTF" pitchFamily="34" charset="-127"/>
+                  <a:ea typeface="나눔스퀘어OTF" pitchFamily="34" charset="-127"/>
+                </a:rPr>
+                <a:t>제공 서비스</a:t>
+              </a:r>
+              <a:endParaRPr lang="ko-KR" altLang="en-US" sz="1600" dirty="0" smtClean="0">
+                <a:solidFill>
+                  <a:schemeClr val="bg1"/>
+                </a:solidFill>
+                <a:latin typeface="나눔스퀘어OTF" pitchFamily="34" charset="-127"/>
+                <a:ea typeface="나눔스퀘어OTF" pitchFamily="34" charset="-127"/>
+              </a:endParaRPr>
+            </a:p>
+          </p:txBody>
+        </p:sp>
+        <p:sp>
+          <p:nvSpPr>
+            <p:cNvPr id="24" name="직사각형 23"/>
+            <p:cNvSpPr/>
+            <p:nvPr/>
+          </p:nvSpPr>
+          <p:spPr>
+            <a:xfrm>
+              <a:off x="467544" y="1183099"/>
+              <a:ext cx="360040" cy="45719"/>
+            </a:xfrm>
+            <a:prstGeom prst="rect">
+              <a:avLst/>
+            </a:prstGeom>
+            <a:solidFill>
+              <a:schemeClr val="bg1">
+                <a:lumMod val="85000"/>
+              </a:schemeClr>
+            </a:solidFill>
+            <a:ln>
+              <a:noFill/>
+            </a:ln>
+          </p:spPr>
+          <p:style>
+            <a:lnRef idx="2">
+              <a:schemeClr val="accent1">
+                <a:shade val="50000"/>
+              </a:schemeClr>
+            </a:lnRef>
+            <a:fillRef idx="1">
+              <a:schemeClr val="accent1"/>
+            </a:fillRef>
+            <a:effectRef idx="0">
+              <a:schemeClr val="accent1"/>
+            </a:effectRef>
+            <a:fontRef idx="minor">
+              <a:schemeClr val="lt1"/>
+            </a:fontRef>
+          </p:style>
+          <p:txBody>
+            <a:bodyPr rtlCol="0" anchor="ctr"/>
+            <a:lstStyle/>
+            <a:p>
+              <a:pPr algn="ctr"/>
+              <a:endParaRPr lang="ko-KR" altLang="en-US" sz="1600">
+                <a:latin typeface="나눔스퀘어OTF Light" pitchFamily="34" charset="-127"/>
+                <a:ea typeface="나눔스퀘어OTF Light" pitchFamily="34" charset="-127"/>
+              </a:endParaRPr>
+            </a:p>
+          </p:txBody>
+        </p:sp>
+        <p:sp>
+          <p:nvSpPr>
+            <p:cNvPr id="25" name="TextBox 24"/>
+            <p:cNvSpPr txBox="1"/>
+            <p:nvPr/>
+          </p:nvSpPr>
+          <p:spPr>
+            <a:xfrm>
+              <a:off x="368106" y="1401186"/>
+              <a:ext cx="2592288" cy="1169551"/>
+            </a:xfrm>
+            <a:prstGeom prst="rect">
+              <a:avLst/>
+            </a:prstGeom>
+            <a:noFill/>
+          </p:spPr>
+          <p:txBody>
+            <a:bodyPr wrap="square" rtlCol="0">
+              <a:spAutoFit/>
+            </a:bodyPr>
+            <a:lstStyle/>
+            <a:p>
+              <a:r>
+                <a:rPr lang="en-US" altLang="ko-KR" sz="1400" dirty="0" smtClean="0">
+                  <a:solidFill>
+                    <a:schemeClr val="bg1"/>
+                  </a:solidFill>
+                  <a:latin typeface="나눔스퀘어OTF Light" pitchFamily="34" charset="-127"/>
+                  <a:ea typeface="나눔스퀘어OTF Light" pitchFamily="34" charset="-127"/>
+                </a:rPr>
+                <a:t>`</a:t>
+              </a:r>
+              <a:r>
+                <a:rPr lang="ko-KR" altLang="en-US" sz="1400" dirty="0" smtClean="0">
+                  <a:solidFill>
+                    <a:schemeClr val="bg1"/>
+                  </a:solidFill>
+                  <a:latin typeface="나눔스퀘어OTF Light" pitchFamily="34" charset="-127"/>
+                  <a:ea typeface="나눔스퀘어OTF Light" pitchFamily="34" charset="-127"/>
+                </a:rPr>
+                <a:t>영화 정보 </a:t>
+              </a:r>
+              <a:endParaRPr lang="en-US" altLang="ko-KR" sz="1400" dirty="0" smtClean="0">
+                <a:solidFill>
+                  <a:schemeClr val="bg1"/>
+                </a:solidFill>
+                <a:latin typeface="나눔스퀘어OTF Light" pitchFamily="34" charset="-127"/>
+                <a:ea typeface="나눔스퀘어OTF Light" pitchFamily="34" charset="-127"/>
+              </a:endParaRPr>
+            </a:p>
+            <a:p>
+              <a:r>
+                <a:rPr lang="en-US" altLang="ko-KR" sz="1400" dirty="0" smtClean="0">
+                  <a:solidFill>
+                    <a:schemeClr val="bg1"/>
+                  </a:solidFill>
+                  <a:latin typeface="나눔스퀘어OTF Light" pitchFamily="34" charset="-127"/>
+                  <a:ea typeface="나눔스퀘어OTF Light" pitchFamily="34" charset="-127"/>
+                </a:rPr>
+                <a:t>`</a:t>
+              </a:r>
+              <a:r>
+                <a:rPr lang="ko-KR" altLang="en-US" sz="1400" dirty="0" smtClean="0">
+                  <a:solidFill>
+                    <a:schemeClr val="bg1"/>
+                  </a:solidFill>
+                  <a:latin typeface="나눔스퀘어OTF Light" pitchFamily="34" charset="-127"/>
+                  <a:ea typeface="나눔스퀘어OTF Light" pitchFamily="34" charset="-127"/>
+                </a:rPr>
+                <a:t>감독 정보 및 흥행 추이 </a:t>
+              </a:r>
+              <a:endParaRPr lang="en-US" altLang="ko-KR" sz="1400" dirty="0" smtClean="0">
+                <a:solidFill>
+                  <a:schemeClr val="bg1"/>
+                </a:solidFill>
+                <a:latin typeface="나눔스퀘어OTF Light" pitchFamily="34" charset="-127"/>
+                <a:ea typeface="나눔스퀘어OTF Light" pitchFamily="34" charset="-127"/>
+              </a:endParaRPr>
+            </a:p>
+            <a:p>
+              <a:r>
+                <a:rPr lang="en-US" altLang="ko-KR" sz="1400" dirty="0" smtClean="0">
+                  <a:solidFill>
+                    <a:schemeClr val="bg1"/>
+                  </a:solidFill>
+                  <a:latin typeface="나눔스퀘어OTF Light" pitchFamily="34" charset="-127"/>
+                  <a:ea typeface="나눔스퀘어OTF Light" pitchFamily="34" charset="-127"/>
+                </a:rPr>
+                <a:t>`</a:t>
+              </a:r>
+              <a:r>
+                <a:rPr lang="ko-KR" altLang="en-US" sz="1400" dirty="0" smtClean="0">
+                  <a:solidFill>
+                    <a:schemeClr val="bg1"/>
+                  </a:solidFill>
+                  <a:latin typeface="나눔스퀘어OTF Light" pitchFamily="34" charset="-127"/>
+                  <a:ea typeface="나눔스퀘어OTF Light" pitchFamily="34" charset="-127"/>
+                </a:rPr>
+                <a:t>배우 정보 및 흥행 추이</a:t>
+              </a:r>
+              <a:endParaRPr lang="en-US" altLang="ko-KR" sz="1400" dirty="0" smtClean="0">
+                <a:solidFill>
+                  <a:schemeClr val="bg1"/>
+                </a:solidFill>
+                <a:latin typeface="나눔스퀘어OTF Light" pitchFamily="34" charset="-127"/>
+                <a:ea typeface="나눔스퀘어OTF Light" pitchFamily="34" charset="-127"/>
+              </a:endParaRPr>
+            </a:p>
+            <a:p>
+              <a:r>
+                <a:rPr lang="en-US" altLang="ko-KR" sz="1400" dirty="0" smtClean="0">
+                  <a:solidFill>
+                    <a:schemeClr val="bg1"/>
+                  </a:solidFill>
+                  <a:latin typeface="나눔스퀘어OTF Light" pitchFamily="34" charset="-127"/>
+                  <a:ea typeface="나눔스퀘어OTF Light" pitchFamily="34" charset="-127"/>
+                </a:rPr>
+                <a:t>`IPTV</a:t>
+              </a:r>
+              <a:r>
+                <a:rPr lang="ko-KR" altLang="en-US" sz="1400" dirty="0" smtClean="0">
+                  <a:solidFill>
+                    <a:schemeClr val="bg1"/>
+                  </a:solidFill>
+                  <a:latin typeface="나눔스퀘어OTF Light" pitchFamily="34" charset="-127"/>
+                  <a:ea typeface="나눔스퀘어OTF Light" pitchFamily="34" charset="-127"/>
+                </a:rPr>
+                <a:t> 인기영화와 흥행작 간의  </a:t>
+              </a:r>
+              <a:r>
+                <a:rPr lang="en-US" altLang="ko-KR" sz="1400" dirty="0" smtClean="0">
+                  <a:solidFill>
+                    <a:schemeClr val="bg1"/>
+                  </a:solidFill>
+                  <a:latin typeface="나눔스퀘어OTF Light" pitchFamily="34" charset="-127"/>
+                  <a:ea typeface="나눔스퀘어OTF Light" pitchFamily="34" charset="-127"/>
+                </a:rPr>
+                <a:t>        </a:t>
+              </a:r>
+              <a:r>
+                <a:rPr lang="ko-KR" altLang="en-US" sz="1400" dirty="0" err="1" smtClean="0">
+                  <a:latin typeface="나눔스퀘어OTF Light" pitchFamily="34" charset="-127"/>
+                  <a:ea typeface="나눔스퀘어OTF Light" pitchFamily="34" charset="-127"/>
+                </a:rPr>
+                <a:t>ㅇ</a:t>
+              </a:r>
+              <a:r>
+                <a:rPr lang="ko-KR" altLang="en-US" sz="1400" dirty="0" err="1" smtClean="0">
+                  <a:solidFill>
+                    <a:schemeClr val="bg1"/>
+                  </a:solidFill>
+                  <a:latin typeface="나눔스퀘어OTF Light" pitchFamily="34" charset="-127"/>
+                  <a:ea typeface="나눔스퀘어OTF Light" pitchFamily="34" charset="-127"/>
+                </a:rPr>
+                <a:t>상관관계</a:t>
+              </a:r>
+              <a:r>
+                <a:rPr lang="ko-KR" altLang="en-US" sz="1400" dirty="0" smtClean="0">
+                  <a:solidFill>
+                    <a:schemeClr val="bg1"/>
+                  </a:solidFill>
+                  <a:latin typeface="나눔스퀘어OTF Light" pitchFamily="34" charset="-127"/>
+                  <a:ea typeface="나눔스퀘어OTF Light" pitchFamily="34" charset="-127"/>
+                </a:rPr>
+                <a:t> </a:t>
+              </a:r>
+              <a:endParaRPr lang="en-US" altLang="ko-KR" sz="1400" dirty="0" smtClean="0">
+                <a:solidFill>
+                  <a:schemeClr val="bg1"/>
+                </a:solidFill>
+                <a:latin typeface="나눔스퀘어OTF Light" pitchFamily="34" charset="-127"/>
+                <a:ea typeface="나눔스퀘어OTF Light" pitchFamily="34" charset="-127"/>
+              </a:endParaRPr>
+            </a:p>
+          </p:txBody>
+        </p:sp>
+      </p:grpSp>
+      <p:sp>
+        <p:nvSpPr>
+          <p:cNvPr id="21" name="TextBox 20"/>
           <p:cNvSpPr txBox="1"/>
           <p:nvPr/>
         </p:nvSpPr>
         <p:spPr>
           <a:xfrm>
-            <a:off x="2594283" y="3105834"/>
-            <a:ext cx="4536504" cy="830997"/>
+            <a:off x="2763122" y="2870591"/>
+            <a:ext cx="3566546" cy="261610"/>
           </a:xfrm>
           <a:prstGeom prst="rect">
             <a:avLst/>
@@ -5731,66 +4833,86 @@
           <a:p>
             <a:pPr algn="ctr"/>
             <a:r>
-              <a:rPr lang="ko-KR" altLang="en-US" sz="2400" dirty="0" smtClean="0">
+              <a:rPr lang="ko-KR" altLang="en-US" sz="1100" dirty="0" smtClean="0">
                 <a:solidFill>
                   <a:schemeClr val="bg1"/>
                 </a:solidFill>
                 <a:latin typeface="나눔스퀘어OTF" pitchFamily="34" charset="-127"/>
                 <a:ea typeface="나눔스퀘어OTF" pitchFamily="34" charset="-127"/>
               </a:rPr>
-              <a:t>영화 </a:t>
-            </a:r>
-            <a:r>
-              <a:rPr lang="ko-KR" altLang="en-US" sz="2400" dirty="0" smtClean="0">
+              <a:t>강현식</a:t>
+            </a:r>
+            <a:r>
+              <a:rPr lang="en-US" altLang="ko-KR" sz="1100" dirty="0">
                 <a:solidFill>
                   <a:schemeClr val="bg1"/>
                 </a:solidFill>
                 <a:latin typeface="나눔스퀘어OTF" pitchFamily="34" charset="-127"/>
                 <a:ea typeface="나눔스퀘어OTF" pitchFamily="34" charset="-127"/>
               </a:rPr>
-              <a:t>흥행 예측</a:t>
-            </a:r>
-            <a:r>
-              <a:rPr lang="en-US" altLang="ko-KR" sz="2400" dirty="0" smtClean="0">
+              <a:t> </a:t>
+            </a:r>
+            <a:r>
+              <a:rPr lang="en-US" altLang="ko-KR" sz="1100" dirty="0" smtClean="0">
                 <a:solidFill>
                   <a:schemeClr val="bg1"/>
                 </a:solidFill>
                 <a:latin typeface="나눔스퀘어OTF" pitchFamily="34" charset="-127"/>
                 <a:ea typeface="나눔스퀘어OTF" pitchFamily="34" charset="-127"/>
               </a:rPr>
-              <a:t>, </a:t>
-            </a:r>
-            <a:r>
-              <a:rPr lang="ko-KR" altLang="en-US" sz="2400" dirty="0" smtClean="0">
+              <a:t>  </a:t>
+            </a:r>
+            <a:r>
+              <a:rPr lang="ko-KR" altLang="en-US" sz="1100" dirty="0" smtClean="0">
                 <a:solidFill>
                   <a:schemeClr val="bg1"/>
                 </a:solidFill>
                 <a:latin typeface="나눔스퀘어OTF" pitchFamily="34" charset="-127"/>
                 <a:ea typeface="나눔스퀘어OTF" pitchFamily="34" charset="-127"/>
               </a:rPr>
-              <a:t>투자 전략</a:t>
-            </a:r>
-            <a:endParaRPr lang="en-US" altLang="ko-KR" sz="2400" dirty="0" smtClean="0">
-              <a:solidFill>
-                <a:schemeClr val="bg1"/>
-              </a:solidFill>
-              <a:latin typeface="나눔스퀘어OTF" pitchFamily="34" charset="-127"/>
-              <a:ea typeface="나눔스퀘어OTF" pitchFamily="34" charset="-127"/>
-            </a:endParaRPr>
-          </a:p>
-          <a:p>
-            <a:pPr algn="ctr"/>
-            <a:r>
-              <a:rPr lang="en-US" altLang="ko-KR" sz="2400" dirty="0" smtClean="0">
+              <a:t>김용진</a:t>
+            </a:r>
+            <a:r>
+              <a:rPr lang="en-US" altLang="ko-KR" sz="1100" dirty="0" smtClean="0">
                 <a:solidFill>
                   <a:schemeClr val="bg1"/>
                 </a:solidFill>
                 <a:latin typeface="나눔스퀘어OTF" pitchFamily="34" charset="-127"/>
                 <a:ea typeface="나눔스퀘어OTF" pitchFamily="34" charset="-127"/>
               </a:rPr>
-              <a:t>Tool </a:t>
-            </a:r>
-            <a:endParaRPr lang="ko-KR" altLang="en-US" sz="2400" dirty="0" smtClean="0">
+              <a:t> </a:t>
+            </a:r>
+            <a:r>
+              <a:rPr lang="ko-KR" altLang="en-US" sz="1100" dirty="0" smtClean="0">
+                <a:solidFill>
+                  <a:schemeClr val="bg1"/>
+                </a:solidFill>
+                <a:latin typeface="나눔스퀘어OTF" pitchFamily="34" charset="-127"/>
+                <a:ea typeface="나눔스퀘어OTF" pitchFamily="34" charset="-127"/>
+              </a:rPr>
+              <a:t> 박소은 </a:t>
+            </a:r>
+            <a:r>
+              <a:rPr lang="en-US" altLang="ko-KR" sz="1100" dirty="0">
+                <a:solidFill>
+                  <a:schemeClr val="bg1"/>
+                </a:solidFill>
+                <a:latin typeface="나눔스퀘어OTF" pitchFamily="34" charset="-127"/>
+                <a:ea typeface="나눔스퀘어OTF" pitchFamily="34" charset="-127"/>
+              </a:rPr>
+              <a:t> </a:t>
+            </a:r>
+            <a:r>
+              <a:rPr lang="ko-KR" altLang="en-US" sz="1100" dirty="0" smtClean="0">
+                <a:solidFill>
+                  <a:schemeClr val="bg1"/>
+                </a:solidFill>
+                <a:latin typeface="나눔스퀘어OTF" pitchFamily="34" charset="-127"/>
+                <a:ea typeface="나눔스퀘어OTF" pitchFamily="34" charset="-127"/>
+              </a:rPr>
+              <a:t>정민지</a:t>
+            </a:r>
+            <a:endParaRPr lang="ko-KR" altLang="en-US" sz="1100" dirty="0" smtClean="0">
               <a:solidFill>
                 <a:schemeClr val="bg1"/>
               </a:solidFill>
@@ -5810,6 +4932,13 @@
   <p:clrMapOvr>
     <a:masterClrMapping/>
   </p:clrMapOvr>
+  <p:timing>
+    <p:tnLst>
+      <p:par>
+        <p:cTn id="1" dur="indefinite" restart="never" nodeType="tmRoot"/>
+      </p:par>
+    </p:tnLst>
+  </p:timing>
 </p:sld>
 </file>
 
